--- a/Diploma_Koshkareva06.pptx
+++ b/Diploma_Koshkareva06.pptx
@@ -231,7 +231,7 @@
             <a:fld id="{5161A95F-F6E9-4931-A0EE-3648C055E45D}" type="datetimeFigureOut">
               <a:rPr lang="ru-RU" smtClean="0"/>
               <a:pPr/>
-              <a:t>21.09.2017</a:t>
+              <a:t>01.10.2017</a:t>
             </a:fld>
             <a:endParaRPr lang="ru-RU"/>
           </a:p>
@@ -397,7 +397,7 @@
           <a:p>
             <a:fld id="{13CA7FAF-A460-4BC2-AC51-5ADCCFCF2422}" type="datetimeFigureOut">
               <a:rPr lang="ru-RU" smtClean="0"/>
-              <a:t>21.09.2017</a:t>
+              <a:t>01.10.2017</a:t>
             </a:fld>
             <a:endParaRPr lang="ru-RU"/>
           </a:p>
@@ -1473,7 +1473,7 @@
             <a:fld id="{5B106E36-FD25-4E2D-B0AA-010F637433A0}" type="datetimeFigureOut">
               <a:rPr lang="ru-RU" smtClean="0"/>
               <a:pPr/>
-              <a:t>21.09.2017</a:t>
+              <a:t>01.10.2017</a:t>
             </a:fld>
             <a:endParaRPr lang="ru-RU"/>
           </a:p>
@@ -1837,7 +1837,7 @@
             <a:fld id="{5B106E36-FD25-4E2D-B0AA-010F637433A0}" type="datetimeFigureOut">
               <a:rPr lang="ru-RU" smtClean="0"/>
               <a:pPr/>
-              <a:t>21.09.2017</a:t>
+              <a:t>01.10.2017</a:t>
             </a:fld>
             <a:endParaRPr lang="ru-RU"/>
           </a:p>
@@ -2017,7 +2017,7 @@
             <a:fld id="{5B106E36-FD25-4E2D-B0AA-010F637433A0}" type="datetimeFigureOut">
               <a:rPr lang="ru-RU" smtClean="0"/>
               <a:pPr/>
-              <a:t>21.09.2017</a:t>
+              <a:t>01.10.2017</a:t>
             </a:fld>
             <a:endParaRPr lang="ru-RU"/>
           </a:p>
@@ -2257,7 +2257,7 @@
             <a:fld id="{5B106E36-FD25-4E2D-B0AA-010F637433A0}" type="datetimeFigureOut">
               <a:rPr lang="ru-RU" smtClean="0"/>
               <a:pPr/>
-              <a:t>21.09.2017</a:t>
+              <a:t>01.10.2017</a:t>
             </a:fld>
             <a:endParaRPr lang="ru-RU"/>
           </a:p>
@@ -2531,7 +2531,7 @@
             <a:fld id="{5B106E36-FD25-4E2D-B0AA-010F637433A0}" type="datetimeFigureOut">
               <a:rPr lang="ru-RU" smtClean="0"/>
               <a:pPr/>
-              <a:t>21.09.2017</a:t>
+              <a:t>01.10.2017</a:t>
             </a:fld>
             <a:endParaRPr lang="ru-RU"/>
           </a:p>
@@ -2756,7 +2756,7 @@
             <a:fld id="{5B106E36-FD25-4E2D-B0AA-010F637433A0}" type="datetimeFigureOut">
               <a:rPr lang="ru-RU" smtClean="0"/>
               <a:pPr/>
-              <a:t>21.09.2017</a:t>
+              <a:t>01.10.2017</a:t>
             </a:fld>
             <a:endParaRPr lang="ru-RU"/>
           </a:p>
@@ -3113,7 +3113,7 @@
             <a:fld id="{5B106E36-FD25-4E2D-B0AA-010F637433A0}" type="datetimeFigureOut">
               <a:rPr lang="ru-RU" smtClean="0"/>
               <a:pPr/>
-              <a:t>21.09.2017</a:t>
+              <a:t>01.10.2017</a:t>
             </a:fld>
             <a:endParaRPr lang="ru-RU"/>
           </a:p>
@@ -3350,7 +3350,7 @@
             <a:fld id="{5B106E36-FD25-4E2D-B0AA-010F637433A0}" type="datetimeFigureOut">
               <a:rPr lang="ru-RU" smtClean="0"/>
               <a:pPr/>
-              <a:t>21.09.2017</a:t>
+              <a:t>01.10.2017</a:t>
             </a:fld>
             <a:endParaRPr lang="ru-RU"/>
           </a:p>
@@ -3495,7 +3495,7 @@
             <a:fld id="{5B106E36-FD25-4E2D-B0AA-010F637433A0}" type="datetimeFigureOut">
               <a:rPr lang="ru-RU" smtClean="0"/>
               <a:pPr/>
-              <a:t>21.09.2017</a:t>
+              <a:t>01.10.2017</a:t>
             </a:fld>
             <a:endParaRPr lang="ru-RU"/>
           </a:p>
@@ -3777,7 +3777,7 @@
             <a:fld id="{5B106E36-FD25-4E2D-B0AA-010F637433A0}" type="datetimeFigureOut">
               <a:rPr lang="ru-RU" smtClean="0"/>
               <a:pPr/>
-              <a:t>21.09.2017</a:t>
+              <a:t>01.10.2017</a:t>
             </a:fld>
             <a:endParaRPr lang="ru-RU"/>
           </a:p>
@@ -4189,7 +4189,7 @@
             <a:fld id="{5B106E36-FD25-4E2D-B0AA-010F637433A0}" type="datetimeFigureOut">
               <a:rPr lang="ru-RU" smtClean="0"/>
               <a:pPr/>
-              <a:t>21.09.2017</a:t>
+              <a:t>01.10.2017</a:t>
             </a:fld>
             <a:endParaRPr lang="ru-RU"/>
           </a:p>
@@ -4532,7 +4532,7 @@
             <a:fld id="{5B106E36-FD25-4E2D-B0AA-010F637433A0}" type="datetimeFigureOut">
               <a:rPr lang="ru-RU" smtClean="0"/>
               <a:pPr/>
-              <a:t>21.09.2017</a:t>
+              <a:t>01.10.2017</a:t>
             </a:fld>
             <a:endParaRPr lang="ru-RU"/>
           </a:p>
@@ -5351,42 +5351,18 @@
           </a:p>
         </p:txBody>
       </p:sp>
-      <p:pic>
-        <p:nvPicPr>
-          <p:cNvPr id="2050" name="Picture 2"/>
-          <p:cNvPicPr>
-            <a:picLocks noGrp="1" noChangeAspect="1" noChangeArrowheads="1"/>
-          </p:cNvPicPr>
-          <p:nvPr>
-            <p:ph sz="quarter" idx="1"/>
-          </p:nvPr>
-        </p:nvPicPr>
-        <p:blipFill>
-          <a:blip r:embed="rId2">
-            <a:extLst>
-              <a:ext uri="{BEBA8EAE-BF5A-486C-A8C5-ECC9F3942E4B}">
-                <a14:imgProps xmlns:a14="http://schemas.microsoft.com/office/drawing/2010/main">
-                  <a14:imgLayer r:embed="rId3">
-                    <a14:imgEffect>
-                      <a14:brightnessContrast bright="-20000"/>
-                    </a14:imgEffect>
-                  </a14:imgLayer>
-                </a14:imgProps>
-              </a:ext>
-              <a:ext uri="{28A0092B-C50C-407E-A947-70E740481C1C}">
-                <a14:useLocalDpi xmlns:a14="http://schemas.microsoft.com/office/drawing/2010/main" val="0"/>
-              </a:ext>
-            </a:extLst>
-          </a:blip>
-          <a:srcRect/>
-          <a:stretch>
-            <a:fillRect/>
-          </a:stretch>
-        </p:blipFill>
+      <p:sp>
+        <p:nvSpPr>
+          <p:cNvPr id="4" name="Rectangle 2"/>
+          <p:cNvSpPr>
+            <a:spLocks noChangeArrowheads="1"/>
+          </p:cNvSpPr>
+          <p:nvPr/>
+        </p:nvSpPr>
         <p:spPr bwMode="auto">
           <a:xfrm>
-            <a:off x="1662476" y="1573477"/>
-            <a:ext cx="6219842" cy="4519819"/>
+            <a:off x="0" y="0"/>
+            <a:ext cx="9144000" cy="0"/>
           </a:xfrm>
           <a:prstGeom prst="rect">
             <a:avLst/>
@@ -5425,7 +5401,86 @@
             </a:ext>
           </a:extLst>
         </p:spPr>
-      </p:pic>
+        <p:txBody>
+          <a:bodyPr vert="horz" wrap="none" lIns="91440" tIns="45720" rIns="91440" bIns="45720" numCol="1" anchor="ctr" anchorCtr="0" compatLnSpc="1">
+            <a:prstTxWarp prst="textNoShape">
+              <a:avLst/>
+            </a:prstTxWarp>
+            <a:spAutoFit/>
+          </a:bodyPr>
+          <a:lstStyle/>
+          <a:p>
+            <a:endParaRPr lang="ru-RU"/>
+          </a:p>
+        </p:txBody>
+      </p:sp>
+      <p:graphicFrame>
+        <p:nvGraphicFramePr>
+          <p:cNvPr id="5" name="Объект 4"/>
+          <p:cNvGraphicFramePr>
+            <a:graphicFrameLocks noChangeAspect="1"/>
+          </p:cNvGraphicFramePr>
+          <p:nvPr>
+            <p:extLst>
+              <p:ext uri="{D42A27DB-BD31-4B8C-83A1-F6EECF244321}">
+                <p14:modId xmlns:p14="http://schemas.microsoft.com/office/powerpoint/2010/main" val="736507586"/>
+              </p:ext>
+            </p:extLst>
+          </p:nvPr>
+        </p:nvGraphicFramePr>
+        <p:xfrm>
+          <a:off x="1835696" y="1556792"/>
+          <a:ext cx="5472608" cy="3978693"/>
+        </p:xfrm>
+        <a:graphic>
+          <a:graphicData uri="http://schemas.openxmlformats.org/presentationml/2006/ole">
+            <mc:AlternateContent xmlns:mc="http://schemas.openxmlformats.org/markup-compatibility/2006">
+              <mc:Choice xmlns:v="urn:schemas-microsoft-com:vml" Requires="v">
+                <p:oleObj spid="_x0000_s2052" name="Visio" r:id="rId3" imgW="7220059" imgH="5067390" progId="Visio.Drawing.15">
+                  <p:embed/>
+                </p:oleObj>
+              </mc:Choice>
+              <mc:Fallback>
+                <p:oleObj name="Visio" r:id="rId3" imgW="7220059" imgH="5067390" progId="Visio.Drawing.15">
+                  <p:embed/>
+                  <p:pic>
+                    <p:nvPicPr>
+                      <p:cNvPr id="0" name="Object 1"/>
+                      <p:cNvPicPr>
+                        <a:picLocks noChangeAspect="1" noChangeArrowheads="1"/>
+                      </p:cNvPicPr>
+                      <p:nvPr/>
+                    </p:nvPicPr>
+                    <p:blipFill>
+                      <a:blip r:embed="rId4">
+                        <a:extLst>
+                          <a:ext uri="{28A0092B-C50C-407E-A947-70E740481C1C}">
+                            <a14:useLocalDpi xmlns:a14="http://schemas.microsoft.com/office/drawing/2010/main" val="0"/>
+                          </a:ext>
+                        </a:extLst>
+                      </a:blip>
+                      <a:srcRect/>
+                      <a:stretch>
+                        <a:fillRect/>
+                      </a:stretch>
+                    </p:blipFill>
+                    <p:spPr bwMode="auto">
+                      <a:xfrm>
+                        <a:off x="1835696" y="1556792"/>
+                        <a:ext cx="5472608" cy="3978693"/>
+                      </a:xfrm>
+                      <a:prstGeom prst="rect">
+                        <a:avLst/>
+                      </a:prstGeom>
+                      <a:noFill/>
+                    </p:spPr>
+                  </p:pic>
+                </p:oleObj>
+              </mc:Fallback>
+            </mc:AlternateContent>
+          </a:graphicData>
+        </a:graphic>
+      </p:graphicFrame>
     </p:spTree>
     <p:extLst>
       <p:ext uri="{BB962C8B-B14F-4D97-AF65-F5344CB8AC3E}">
@@ -7583,42 +7638,18 @@
           </a:p>
         </p:txBody>
       </p:sp>
-      <p:pic>
-        <p:nvPicPr>
-          <p:cNvPr id="3074" name="Picture 2"/>
-          <p:cNvPicPr>
-            <a:picLocks noGrp="1" noChangeAspect="1" noChangeArrowheads="1"/>
-          </p:cNvPicPr>
-          <p:nvPr>
-            <p:ph sz="quarter" idx="1"/>
-          </p:nvPr>
-        </p:nvPicPr>
-        <p:blipFill>
-          <a:blip r:embed="rId2">
-            <a:extLst>
-              <a:ext uri="{BEBA8EAE-BF5A-486C-A8C5-ECC9F3942E4B}">
-                <a14:imgProps xmlns:a14="http://schemas.microsoft.com/office/drawing/2010/main">
-                  <a14:imgLayer r:embed="rId3">
-                    <a14:imgEffect>
-                      <a14:brightnessContrast bright="-20000"/>
-                    </a14:imgEffect>
-                  </a14:imgLayer>
-                </a14:imgProps>
-              </a:ext>
-              <a:ext uri="{28A0092B-C50C-407E-A947-70E740481C1C}">
-                <a14:useLocalDpi xmlns:a14="http://schemas.microsoft.com/office/drawing/2010/main" val="0"/>
-              </a:ext>
-            </a:extLst>
-          </a:blip>
-          <a:srcRect/>
-          <a:stretch>
-            <a:fillRect/>
-          </a:stretch>
-        </p:blipFill>
+      <p:sp>
+        <p:nvSpPr>
+          <p:cNvPr id="4" name="Rectangle 2"/>
+          <p:cNvSpPr>
+            <a:spLocks noChangeArrowheads="1"/>
+          </p:cNvSpPr>
+          <p:nvPr/>
+        </p:nvSpPr>
         <p:spPr bwMode="auto">
           <a:xfrm>
-            <a:off x="539552" y="1772816"/>
-            <a:ext cx="8064896" cy="3384376"/>
+            <a:off x="0" y="0"/>
+            <a:ext cx="9144000" cy="0"/>
           </a:xfrm>
           <a:prstGeom prst="rect">
             <a:avLst/>
@@ -7657,7 +7688,86 @@
             </a:ext>
           </a:extLst>
         </p:spPr>
-      </p:pic>
+        <p:txBody>
+          <a:bodyPr vert="horz" wrap="none" lIns="91440" tIns="45720" rIns="91440" bIns="45720" numCol="1" anchor="ctr" anchorCtr="0" compatLnSpc="1">
+            <a:prstTxWarp prst="textNoShape">
+              <a:avLst/>
+            </a:prstTxWarp>
+            <a:spAutoFit/>
+          </a:bodyPr>
+          <a:lstStyle/>
+          <a:p>
+            <a:endParaRPr lang="ru-RU"/>
+          </a:p>
+        </p:txBody>
+      </p:sp>
+      <p:graphicFrame>
+        <p:nvGraphicFramePr>
+          <p:cNvPr id="5" name="Объект 4"/>
+          <p:cNvGraphicFramePr>
+            <a:graphicFrameLocks noChangeAspect="1"/>
+          </p:cNvGraphicFramePr>
+          <p:nvPr>
+            <p:extLst>
+              <p:ext uri="{D42A27DB-BD31-4B8C-83A1-F6EECF244321}">
+                <p14:modId xmlns:p14="http://schemas.microsoft.com/office/powerpoint/2010/main" val="1881355057"/>
+              </p:ext>
+            </p:extLst>
+          </p:nvPr>
+        </p:nvGraphicFramePr>
+        <p:xfrm>
+          <a:off x="632135" y="1556792"/>
+          <a:ext cx="7879730" cy="2664296"/>
+        </p:xfrm>
+        <a:graphic>
+          <a:graphicData uri="http://schemas.openxmlformats.org/presentationml/2006/ole">
+            <mc:AlternateContent xmlns:mc="http://schemas.openxmlformats.org/markup-compatibility/2006">
+              <mc:Choice xmlns:v="urn:schemas-microsoft-com:vml" Requires="v">
+                <p:oleObj spid="_x0000_s3076" name="Visio" r:id="rId3" imgW="12220617" imgH="5143616" progId="Visio.Drawing.15">
+                  <p:embed/>
+                </p:oleObj>
+              </mc:Choice>
+              <mc:Fallback>
+                <p:oleObj name="Visio" r:id="rId3" imgW="12220617" imgH="5143616" progId="Visio.Drawing.15">
+                  <p:embed/>
+                  <p:pic>
+                    <p:nvPicPr>
+                      <p:cNvPr id="0" name="Object 1"/>
+                      <p:cNvPicPr>
+                        <a:picLocks noChangeAspect="1" noChangeArrowheads="1"/>
+                      </p:cNvPicPr>
+                      <p:nvPr/>
+                    </p:nvPicPr>
+                    <p:blipFill>
+                      <a:blip r:embed="rId4">
+                        <a:extLst>
+                          <a:ext uri="{28A0092B-C50C-407E-A947-70E740481C1C}">
+                            <a14:useLocalDpi xmlns:a14="http://schemas.microsoft.com/office/drawing/2010/main" val="0"/>
+                          </a:ext>
+                        </a:extLst>
+                      </a:blip>
+                      <a:srcRect b="23344"/>
+                      <a:stretch>
+                        <a:fillRect/>
+                      </a:stretch>
+                    </p:blipFill>
+                    <p:spPr bwMode="auto">
+                      <a:xfrm>
+                        <a:off x="632135" y="1556792"/>
+                        <a:ext cx="7879730" cy="2664296"/>
+                      </a:xfrm>
+                      <a:prstGeom prst="rect">
+                        <a:avLst/>
+                      </a:prstGeom>
+                      <a:noFill/>
+                    </p:spPr>
+                  </p:pic>
+                </p:oleObj>
+              </mc:Fallback>
+            </mc:AlternateContent>
+          </a:graphicData>
+        </a:graphic>
+      </p:graphicFrame>
     </p:spTree>
     <p:extLst>
       <p:ext uri="{BB962C8B-B14F-4D97-AF65-F5344CB8AC3E}">
@@ -7792,39 +7902,38 @@
       </p:sp>
       <p:pic>
         <p:nvPicPr>
-          <p:cNvPr id="4" name="Рисунок 3"/>
+          <p:cNvPr id="5" name="Рисунок 4"/>
           <p:cNvPicPr/>
           <p:nvPr/>
         </p:nvPicPr>
         <p:blipFill>
-          <a:blip r:embed="rId2">
-            <a:extLst>
-              <a:ext uri="{28A0092B-C50C-407E-A947-70E740481C1C}">
-                <a14:useLocalDpi xmlns:a14="http://schemas.microsoft.com/office/drawing/2010/main" val="0"/>
-              </a:ext>
-            </a:extLst>
-          </a:blip>
+          <a:blip r:embed="rId2"/>
           <a:stretch>
             <a:fillRect/>
           </a:stretch>
         </p:blipFill>
-        <p:spPr bwMode="auto">
+        <p:spPr>
           <a:xfrm>
-            <a:off x="179512" y="2132856"/>
-            <a:ext cx="8964488" cy="2928342"/>
+            <a:off x="539552" y="2132856"/>
+            <a:ext cx="8064896" cy="3096344"/>
           </a:xfrm>
           <a:prstGeom prst="rect">
             <a:avLst/>
           </a:prstGeom>
-          <a:noFill/>
-          <a:ln w="28575">
+          <a:ln w="19050" cap="sq">
             <a:solidFill>
-              <a:schemeClr val="tx1"/>
+              <a:srgbClr val="000000"/>
             </a:solidFill>
+            <a:prstDash val="solid"/>
             <a:miter lim="800000"/>
-            <a:headEnd/>
-            <a:tailEnd/>
           </a:ln>
+          <a:effectLst>
+            <a:outerShdw blurRad="50800" dist="38100" dir="2700000" algn="tl" rotWithShape="0">
+              <a:srgbClr val="000000">
+                <a:alpha val="43000"/>
+              </a:srgbClr>
+            </a:outerShdw>
+          </a:effectLst>
         </p:spPr>
       </p:pic>
     </p:spTree>
@@ -8045,59 +8154,6 @@
                                         </p:tav>
                                       </p:tavLst>
                                     </p:anim>
-                                  </p:childTnLst>
-                                </p:cTn>
-                              </p:par>
-                            </p:childTnLst>
-                          </p:cTn>
-                        </p:par>
-                      </p:childTnLst>
-                    </p:cTn>
-                  </p:par>
-                  <p:par>
-                    <p:cTn id="15" fill="hold">
-                      <p:stCondLst>
-                        <p:cond delay="indefinite"/>
-                      </p:stCondLst>
-                      <p:childTnLst>
-                        <p:par>
-                          <p:cTn id="16" fill="hold">
-                            <p:stCondLst>
-                              <p:cond delay="0"/>
-                            </p:stCondLst>
-                            <p:childTnLst>
-                              <p:par>
-                                <p:cTn id="17" presetID="10" presetClass="entr" presetSubtype="0" fill="hold" nodeType="clickEffect">
-                                  <p:stCondLst>
-                                    <p:cond delay="0"/>
-                                  </p:stCondLst>
-                                  <p:childTnLst>
-                                    <p:set>
-                                      <p:cBhvr>
-                                        <p:cTn id="18" dur="1" fill="hold">
-                                          <p:stCondLst>
-                                            <p:cond delay="0"/>
-                                          </p:stCondLst>
-                                        </p:cTn>
-                                        <p:tgtEl>
-                                          <p:spTgt spid="4"/>
-                                        </p:tgtEl>
-                                        <p:attrNameLst>
-                                          <p:attrName>style.visibility</p:attrName>
-                                        </p:attrNameLst>
-                                      </p:cBhvr>
-                                      <p:to>
-                                        <p:strVal val="visible"/>
-                                      </p:to>
-                                    </p:set>
-                                    <p:animEffect transition="in" filter="fade">
-                                      <p:cBhvr>
-                                        <p:cTn id="19" dur="500"/>
-                                        <p:tgtEl>
-                                          <p:spTgt spid="4"/>
-                                        </p:tgtEl>
-                                      </p:cBhvr>
-                                    </p:animEffect>
                                   </p:childTnLst>
                                 </p:cTn>
                               </p:par>
@@ -13403,42 +13459,18 @@
           </a:p>
         </p:txBody>
       </p:sp>
-      <p:pic>
-        <p:nvPicPr>
-          <p:cNvPr id="1026" name="Picture 2"/>
-          <p:cNvPicPr>
-            <a:picLocks noGrp="1" noChangeAspect="1" noChangeArrowheads="1"/>
-          </p:cNvPicPr>
-          <p:nvPr>
-            <p:ph sz="quarter" idx="1"/>
-          </p:nvPr>
-        </p:nvPicPr>
-        <p:blipFill>
-          <a:blip r:embed="rId2">
-            <a:extLst>
-              <a:ext uri="{BEBA8EAE-BF5A-486C-A8C5-ECC9F3942E4B}">
-                <a14:imgProps xmlns:a14="http://schemas.microsoft.com/office/drawing/2010/main">
-                  <a14:imgLayer r:embed="rId3">
-                    <a14:imgEffect>
-                      <a14:brightnessContrast bright="-20000"/>
-                    </a14:imgEffect>
-                  </a14:imgLayer>
-                </a14:imgProps>
-              </a:ext>
-              <a:ext uri="{28A0092B-C50C-407E-A947-70E740481C1C}">
-                <a14:useLocalDpi xmlns:a14="http://schemas.microsoft.com/office/drawing/2010/main" val="0"/>
-              </a:ext>
-            </a:extLst>
-          </a:blip>
-          <a:srcRect/>
-          <a:stretch>
-            <a:fillRect/>
-          </a:stretch>
-        </p:blipFill>
+      <p:sp>
+        <p:nvSpPr>
+          <p:cNvPr id="7" name="Rectangle 4"/>
+          <p:cNvSpPr>
+            <a:spLocks noChangeArrowheads="1"/>
+          </p:cNvSpPr>
+          <p:nvPr/>
+        </p:nvSpPr>
         <p:spPr bwMode="auto">
           <a:xfrm>
-            <a:off x="1547664" y="1240142"/>
-            <a:ext cx="6210500" cy="5250324"/>
+            <a:off x="0" y="0"/>
+            <a:ext cx="9144000" cy="0"/>
           </a:xfrm>
           <a:prstGeom prst="rect">
             <a:avLst/>
@@ -13477,7 +13509,86 @@
             </a:ext>
           </a:extLst>
         </p:spPr>
-      </p:pic>
+        <p:txBody>
+          <a:bodyPr vert="horz" wrap="none" lIns="91440" tIns="45720" rIns="91440" bIns="45720" numCol="1" anchor="ctr" anchorCtr="0" compatLnSpc="1">
+            <a:prstTxWarp prst="textNoShape">
+              <a:avLst/>
+            </a:prstTxWarp>
+            <a:spAutoFit/>
+          </a:bodyPr>
+          <a:lstStyle/>
+          <a:p>
+            <a:endParaRPr lang="ru-RU"/>
+          </a:p>
+        </p:txBody>
+      </p:sp>
+      <p:graphicFrame>
+        <p:nvGraphicFramePr>
+          <p:cNvPr id="8" name="Объект 7"/>
+          <p:cNvGraphicFramePr>
+            <a:graphicFrameLocks noChangeAspect="1"/>
+          </p:cNvGraphicFramePr>
+          <p:nvPr>
+            <p:extLst>
+              <p:ext uri="{D42A27DB-BD31-4B8C-83A1-F6EECF244321}">
+                <p14:modId xmlns:p14="http://schemas.microsoft.com/office/powerpoint/2010/main" val="3862232940"/>
+              </p:ext>
+            </p:extLst>
+          </p:nvPr>
+        </p:nvGraphicFramePr>
+        <p:xfrm>
+          <a:off x="1882108" y="1484784"/>
+          <a:ext cx="5379784" cy="4377252"/>
+        </p:xfrm>
+        <a:graphic>
+          <a:graphicData uri="http://schemas.openxmlformats.org/presentationml/2006/ole">
+            <mc:AlternateContent xmlns:mc="http://schemas.openxmlformats.org/markup-compatibility/2006">
+              <mc:Choice xmlns:v="urn:schemas-microsoft-com:vml" Requires="v">
+                <p:oleObj spid="_x0000_s1030" name="Visio" r:id="rId3" imgW="7400858" imgH="5962637" progId="Visio.Drawing.15">
+                  <p:embed/>
+                </p:oleObj>
+              </mc:Choice>
+              <mc:Fallback>
+                <p:oleObj name="Visio" r:id="rId3" imgW="7400858" imgH="5962637" progId="Visio.Drawing.15">
+                  <p:embed/>
+                  <p:pic>
+                    <p:nvPicPr>
+                      <p:cNvPr id="0" name="Object 3"/>
+                      <p:cNvPicPr>
+                        <a:picLocks noChangeAspect="1" noChangeArrowheads="1"/>
+                      </p:cNvPicPr>
+                      <p:nvPr/>
+                    </p:nvPicPr>
+                    <p:blipFill>
+                      <a:blip r:embed="rId4">
+                        <a:extLst>
+                          <a:ext uri="{28A0092B-C50C-407E-A947-70E740481C1C}">
+                            <a14:useLocalDpi xmlns:a14="http://schemas.microsoft.com/office/drawing/2010/main" val="0"/>
+                          </a:ext>
+                        </a:extLst>
+                      </a:blip>
+                      <a:srcRect/>
+                      <a:stretch>
+                        <a:fillRect/>
+                      </a:stretch>
+                    </p:blipFill>
+                    <p:spPr bwMode="auto">
+                      <a:xfrm>
+                        <a:off x="1882108" y="1484784"/>
+                        <a:ext cx="5379784" cy="4377252"/>
+                      </a:xfrm>
+                      <a:prstGeom prst="rect">
+                        <a:avLst/>
+                      </a:prstGeom>
+                      <a:noFill/>
+                    </p:spPr>
+                  </p:pic>
+                </p:oleObj>
+              </mc:Fallback>
+            </mc:AlternateContent>
+          </a:graphicData>
+        </a:graphic>
+      </p:graphicFrame>
     </p:spTree>
     <p:extLst>
       <p:ext uri="{BB962C8B-B14F-4D97-AF65-F5344CB8AC3E}">

--- a/Diploma_Koshkareva06.pptx
+++ b/Diploma_Koshkareva06.pptx
@@ -13,8 +13,8 @@
   <p:sldIdLst>
     <p:sldId id="256" r:id="rId2"/>
     <p:sldId id="271" r:id="rId3"/>
-    <p:sldId id="261" r:id="rId4"/>
-    <p:sldId id="274" r:id="rId5"/>
+    <p:sldId id="274" r:id="rId4"/>
+    <p:sldId id="261" r:id="rId5"/>
     <p:sldId id="283" r:id="rId6"/>
     <p:sldId id="264" r:id="rId7"/>
     <p:sldId id="284" r:id="rId8"/>
@@ -134,15 +134,166 @@
 
 <file path=ppt/commentAuthors.xml><?xml version="1.0" encoding="utf-8"?>
 <p:cmAuthorLst xmlns:a="http://schemas.openxmlformats.org/drawingml/2006/main" xmlns:r="http://schemas.openxmlformats.org/officeDocument/2006/relationships" xmlns:p="http://schemas.openxmlformats.org/presentationml/2006/main">
-  <p:cmAuthor id="0" name="Софья" initials="С" lastIdx="1" clrIdx="0"/>
+  <p:cmAuthor id="0" name="Софья" initials="С" lastIdx="3" clrIdx="0"/>
   <p:cmAuthor id="1" name="Dima" initials="D" lastIdx="1" clrIdx="1"/>
 </p:cmAuthorLst>
+</file>
+
+<file path=ppt/charts/chart1.xml><?xml version="1.0" encoding="utf-8"?>
+<c:chartSpace xmlns:c="http://schemas.openxmlformats.org/drawingml/2006/chart" xmlns:a="http://schemas.openxmlformats.org/drawingml/2006/main" xmlns:r="http://schemas.openxmlformats.org/officeDocument/2006/relationships">
+  <c:date1904 val="0"/>
+  <c:lang val="ru-RU"/>
+  <c:roundedCorners val="0"/>
+  <mc:AlternateContent xmlns:mc="http://schemas.openxmlformats.org/markup-compatibility/2006">
+    <mc:Choice xmlns:c14="http://schemas.microsoft.com/office/drawing/2007/8/2/chart" Requires="c14">
+      <c14:style val="102"/>
+    </mc:Choice>
+    <mc:Fallback>
+      <c:style val="2"/>
+    </mc:Fallback>
+  </mc:AlternateContent>
+  <c:chart>
+    <c:title>
+      <c:layout/>
+      <c:overlay val="0"/>
+    </c:title>
+    <c:autoTitleDeleted val="0"/>
+    <c:plotArea>
+      <c:layout/>
+      <c:barChart>
+        <c:barDir val="col"/>
+        <c:grouping val="clustered"/>
+        <c:varyColors val="0"/>
+        <c:ser>
+          <c:idx val="0"/>
+          <c:order val="0"/>
+          <c:tx>
+            <c:strRef>
+              <c:f>sum!$A$4</c:f>
+              <c:strCache>
+                <c:ptCount val="1"/>
+                <c:pt idx="0">
+                  <c:v>пол</c:v>
+                </c:pt>
+              </c:strCache>
+            </c:strRef>
+          </c:tx>
+          <c:invertIfNegative val="0"/>
+          <c:cat>
+            <c:strRef>
+              <c:f>sum!$A$5:$D$5</c:f>
+              <c:strCache>
+                <c:ptCount val="4"/>
+                <c:pt idx="0">
+                  <c:v>0</c:v>
+                </c:pt>
+                <c:pt idx="1">
+                  <c:v>1</c:v>
+                </c:pt>
+                <c:pt idx="2">
+                  <c:v>Ж</c:v>
+                </c:pt>
+                <c:pt idx="3">
+                  <c:v>М</c:v>
+                </c:pt>
+              </c:strCache>
+            </c:strRef>
+          </c:cat>
+          <c:val>
+            <c:numRef>
+              <c:f>sum!$A$6:$D$6</c:f>
+              <c:numCache>
+                <c:formatCode>General</c:formatCode>
+                <c:ptCount val="4"/>
+                <c:pt idx="0">
+                  <c:v>12</c:v>
+                </c:pt>
+                <c:pt idx="1">
+                  <c:v>60</c:v>
+                </c:pt>
+                <c:pt idx="2">
+                  <c:v>11</c:v>
+                </c:pt>
+                <c:pt idx="3">
+                  <c:v>40</c:v>
+                </c:pt>
+              </c:numCache>
+            </c:numRef>
+          </c:val>
+        </c:ser>
+        <c:dLbls>
+          <c:showLegendKey val="0"/>
+          <c:showVal val="0"/>
+          <c:showCatName val="0"/>
+          <c:showSerName val="0"/>
+          <c:showPercent val="0"/>
+          <c:showBubbleSize val="0"/>
+        </c:dLbls>
+        <c:gapWidth val="150"/>
+        <c:axId val="73496448"/>
+        <c:axId val="75174272"/>
+      </c:barChart>
+      <c:catAx>
+        <c:axId val="73496448"/>
+        <c:scaling>
+          <c:orientation val="minMax"/>
+        </c:scaling>
+        <c:delete val="0"/>
+        <c:axPos val="b"/>
+        <c:majorTickMark val="out"/>
+        <c:minorTickMark val="none"/>
+        <c:tickLblPos val="nextTo"/>
+        <c:crossAx val="75174272"/>
+        <c:crosses val="autoZero"/>
+        <c:auto val="1"/>
+        <c:lblAlgn val="ctr"/>
+        <c:lblOffset val="100"/>
+        <c:noMultiLvlLbl val="0"/>
+      </c:catAx>
+      <c:valAx>
+        <c:axId val="75174272"/>
+        <c:scaling>
+          <c:orientation val="minMax"/>
+        </c:scaling>
+        <c:delete val="0"/>
+        <c:axPos val="l"/>
+        <c:majorGridlines/>
+        <c:numFmt formatCode="General" sourceLinked="1"/>
+        <c:majorTickMark val="out"/>
+        <c:minorTickMark val="none"/>
+        <c:tickLblPos val="nextTo"/>
+        <c:crossAx val="73496448"/>
+        <c:crosses val="autoZero"/>
+        <c:crossBetween val="between"/>
+      </c:valAx>
+    </c:plotArea>
+    <c:legend>
+      <c:legendPos val="r"/>
+      <c:layout/>
+      <c:overlay val="0"/>
+    </c:legend>
+    <c:plotVisOnly val="1"/>
+    <c:dispBlanksAs val="gap"/>
+    <c:showDLblsOverMax val="0"/>
+  </c:chart>
+  <c:externalData r:id="rId1">
+    <c:autoUpdate val="0"/>
+  </c:externalData>
+</c:chartSpace>
 </file>
 
 <file path=ppt/comments/comment1.xml><?xml version="1.0" encoding="utf-8"?>
 <p:cmLst xmlns:a="http://schemas.openxmlformats.org/drawingml/2006/main" xmlns:r="http://schemas.openxmlformats.org/officeDocument/2006/relationships" xmlns:p="http://schemas.openxmlformats.org/presentationml/2006/main">
   <p:cm authorId="1" dt="2017-09-21T15:16:55.356" idx="1">
     <p:pos x="2691" y="2511"/>
+    <p:text/>
+  </p:cm>
+  <p:cm authorId="0" dt="2017-10-01T16:04:17.949" idx="2">
+    <p:pos x="4536" y="2762"/>
+    <p:text/>
+  </p:cm>
+  <p:cm authorId="0" dt="2017-10-01T16:05:52.224" idx="3">
+    <p:pos x="4451" y="3351"/>
     <p:text/>
   </p:cm>
 </p:cmLst>
@@ -908,6 +1059,33 @@
           <a:bodyPr/>
           <a:lstStyle/>
           <a:p>
+            <a:pPr marL="0" marR="0" indent="0" algn="l" defTabSz="914400" rtl="0" eaLnBrk="1" fontAlgn="auto" latinLnBrk="0" hangingPunct="1">
+              <a:lnSpc>
+                <a:spcPct val="100000"/>
+              </a:lnSpc>
+              <a:spcBef>
+                <a:spcPts val="0"/>
+              </a:spcBef>
+              <a:spcAft>
+                <a:spcPts val="0"/>
+              </a:spcAft>
+              <a:buClrTx/>
+              <a:buSzTx/>
+              <a:buFontTx/>
+              <a:buNone/>
+              <a:tabLst/>
+              <a:defRPr/>
+            </a:pPr>
+            <a:r>
+              <a:rPr lang="ru-RU" dirty="0" smtClean="0"/>
+              <a:t>Другой важной проблемой, является наличие выбросов.</a:t>
+            </a:r>
+          </a:p>
+          <a:p>
+            <a:r>
+              <a:rPr lang="ru-RU" dirty="0" smtClean="0"/>
+              <a:t>Почему - словами</a:t>
+            </a:r>
             <a:endParaRPr lang="ru-RU" dirty="0"/>
           </a:p>
         </p:txBody>
@@ -938,7 +1116,7 @@
     </p:spTree>
     <p:extLst>
       <p:ext uri="{BB962C8B-B14F-4D97-AF65-F5344CB8AC3E}">
-        <p14:creationId xmlns:p14="http://schemas.microsoft.com/office/powerpoint/2010/main" val="1050698681"/>
+        <p14:creationId xmlns:p14="http://schemas.microsoft.com/office/powerpoint/2010/main" val="1849023091"/>
       </p:ext>
     </p:extLst>
   </p:cSld>
@@ -992,33 +1170,6 @@
           <a:bodyPr/>
           <a:lstStyle/>
           <a:p>
-            <a:pPr marL="0" marR="0" indent="0" algn="l" defTabSz="914400" rtl="0" eaLnBrk="1" fontAlgn="auto" latinLnBrk="0" hangingPunct="1">
-              <a:lnSpc>
-                <a:spcPct val="100000"/>
-              </a:lnSpc>
-              <a:spcBef>
-                <a:spcPts val="0"/>
-              </a:spcBef>
-              <a:spcAft>
-                <a:spcPts val="0"/>
-              </a:spcAft>
-              <a:buClrTx/>
-              <a:buSzTx/>
-              <a:buFontTx/>
-              <a:buNone/>
-              <a:tabLst/>
-              <a:defRPr/>
-            </a:pPr>
-            <a:r>
-              <a:rPr lang="ru-RU" dirty="0" smtClean="0"/>
-              <a:t>Другой важной проблемой, является наличие выбросов.</a:t>
-            </a:r>
-          </a:p>
-          <a:p>
-            <a:r>
-              <a:rPr lang="ru-RU" dirty="0" smtClean="0"/>
-              <a:t>Почему - словами</a:t>
-            </a:r>
             <a:endParaRPr lang="ru-RU" dirty="0"/>
           </a:p>
         </p:txBody>
@@ -1049,7 +1200,7 @@
     </p:spTree>
     <p:extLst>
       <p:ext uri="{BB962C8B-B14F-4D97-AF65-F5344CB8AC3E}">
-        <p14:creationId xmlns:p14="http://schemas.microsoft.com/office/powerpoint/2010/main" val="1849023091"/>
+        <p14:creationId xmlns:p14="http://schemas.microsoft.com/office/powerpoint/2010/main" val="1050698681"/>
       </p:ext>
     </p:extLst>
   </p:cSld>
@@ -5346,8 +5497,16 @@
                 <a:ea typeface="+mj-ea"/>
                 <a:cs typeface="+mj-cs"/>
               </a:rPr>
-              <a:t>Логическая структура входных данных</a:t>
-            </a:r>
+              <a:t>Структура классов «Столбцы таблицы»</a:t>
+            </a:r>
+            <a:endParaRPr lang="ru-RU" sz="3600" i="1" kern="1200" dirty="0">
+              <a:solidFill>
+                <a:srgbClr val="800000"/>
+              </a:solidFill>
+              <a:latin typeface="+mn-lt"/>
+              <a:ea typeface="+mj-ea"/>
+              <a:cs typeface="+mj-cs"/>
+            </a:endParaRPr>
           </a:p>
         </p:txBody>
       </p:sp>
@@ -5436,7 +5595,7 @@
           <a:graphicData uri="http://schemas.openxmlformats.org/presentationml/2006/ole">
             <mc:AlternateContent xmlns:mc="http://schemas.openxmlformats.org/markup-compatibility/2006">
               <mc:Choice xmlns:v="urn:schemas-microsoft-com:vml" Requires="v">
-                <p:oleObj spid="_x0000_s2052" name="Visio" r:id="rId3" imgW="7220059" imgH="5067390" progId="Visio.Drawing.15">
+                <p:oleObj spid="_x0000_s2054" name="Visio" r:id="rId3" imgW="7220059" imgH="5067390" progId="Visio.Drawing.15">
                   <p:embed/>
                 </p:oleObj>
               </mc:Choice>
@@ -6068,67 +6227,36 @@
             <a:endParaRPr lang="ru-RU" dirty="0"/>
           </a:p>
           <a:p>
+            <a:pPr lvl="0"/>
             <a:r>
               <a:rPr lang="ru-RU" dirty="0"/>
-              <a:t>Данные, не входящие в допустимый н</a:t>
-            </a:r>
-            <a:r>
-              <a:rPr lang="ru-RU" sz="2800" dirty="0"/>
-              <a:t>абор значений.</a:t>
-            </a:r>
-            <a:endParaRPr lang="ru-RU" dirty="0"/>
+              <a:t>Данные, не входящие в набор определенных допустимых значений.</a:t>
+            </a:r>
           </a:p>
           <a:p>
             <a:pPr lvl="0"/>
             <a:r>
               <a:rPr lang="ru-RU" dirty="0"/>
-              <a:t>Наличие букв в числовых </a:t>
+              <a:t>Наличие буквенных символов в числовых данных.</a:t>
+            </a:r>
+          </a:p>
+          <a:p>
+            <a:pPr lvl="0"/>
+            <a:r>
+              <a:rPr lang="ru-RU" dirty="0"/>
+              <a:t>Неправильные разделители между числами в записи десятичных дробей и дат.</a:t>
+            </a:r>
+          </a:p>
+          <a:p>
+            <a:pPr lvl="0"/>
+            <a:r>
+              <a:rPr lang="ru-RU" dirty="0"/>
+              <a:t>Лишние пробелы в записи десятичных дробей</a:t>
             </a:r>
             <a:r>
               <a:rPr lang="ru-RU" dirty="0" smtClean="0"/>
-              <a:t>данных.</a:t>
-            </a:r>
-          </a:p>
-          <a:p>
-            <a:pPr lvl="0"/>
-            <a:r>
-              <a:rPr lang="ru-RU" dirty="0" smtClean="0"/>
-              <a:t>Неправильные </a:t>
-            </a:r>
-            <a:r>
-              <a:rPr lang="ru-RU" dirty="0"/>
-              <a:t>разделители между числами в </a:t>
-            </a:r>
-            <a:r>
-              <a:rPr lang="ru-RU" dirty="0" smtClean="0"/>
-              <a:t>датах</a:t>
-            </a:r>
-            <a:r>
-              <a:rPr lang="ru-RU" dirty="0"/>
               <a:t>.</a:t>
             </a:r>
-            <a:endParaRPr lang="ru-RU" dirty="0" smtClean="0"/>
-          </a:p>
-          <a:p>
-            <a:pPr lvl="0"/>
-            <a:r>
-              <a:rPr lang="ru-RU" dirty="0" smtClean="0"/>
-              <a:t>Лишние </a:t>
-            </a:r>
-            <a:r>
-              <a:rPr lang="ru-RU" dirty="0"/>
-              <a:t>пробелы в записи десятичных дробей</a:t>
-            </a:r>
-            <a:r>
-              <a:rPr lang="ru-RU" dirty="0" smtClean="0"/>
-              <a:t>. </a:t>
-            </a:r>
-            <a:endParaRPr lang="ru-RU" b="1" dirty="0"/>
-          </a:p>
-          <a:p>
-            <a:pPr marL="0" lvl="0" indent="0">
-              <a:buNone/>
-            </a:pPr>
             <a:r>
               <a:rPr lang="ru-RU" b="1" dirty="0" smtClean="0"/>
               <a:t/>
@@ -6145,196 +6273,58 @@
       </p:sp>
       <p:pic>
         <p:nvPicPr>
-          <p:cNvPr id="23556" name="Picture 4"/>
-          <p:cNvPicPr>
-            <a:picLocks noChangeAspect="1" noChangeArrowheads="1"/>
-          </p:cNvPicPr>
+          <p:cNvPr id="10" name="Рисунок 9"/>
+          <p:cNvPicPr/>
           <p:nvPr/>
         </p:nvPicPr>
-        <p:blipFill>
-          <a:blip r:embed="rId3">
-            <a:extLst>
-              <a:ext uri="{28A0092B-C50C-407E-A947-70E740481C1C}">
-                <a14:useLocalDpi xmlns:a14="http://schemas.microsoft.com/office/drawing/2010/main" val="0"/>
-              </a:ext>
-            </a:extLst>
-          </a:blip>
-          <a:srcRect/>
-          <a:stretch>
-            <a:fillRect/>
-          </a:stretch>
+        <p:blipFill rotWithShape="1">
+          <a:blip r:embed="rId3"/>
+          <a:srcRect l="16861"/>
+          <a:stretch/>
         </p:blipFill>
         <p:spPr bwMode="auto">
-          <a:xfrm rot="222955">
-            <a:off x="2545681" y="1520072"/>
-            <a:ext cx="3448791" cy="4244667"/>
+          <a:xfrm>
+            <a:off x="5724128" y="1923732"/>
+            <a:ext cx="973455" cy="3010535"/>
           </a:xfrm>
           <a:prstGeom prst="rect">
             <a:avLst/>
           </a:prstGeom>
-          <a:noFill/>
-          <a:ln w="28575">
-            <a:solidFill>
-              <a:schemeClr val="tx1"/>
-            </a:solidFill>
-            <a:miter lim="800000"/>
-            <a:headEnd/>
-            <a:tailEnd/>
+          <a:ln>
+            <a:noFill/>
           </a:ln>
           <a:extLst>
-            <a:ext uri="{909E8E84-426E-40DD-AFC4-6F175D3DCCD1}">
-              <a14:hiddenFill xmlns:a14="http://schemas.microsoft.com/office/drawing/2010/main">
-                <a:solidFill>
-                  <a:schemeClr val="accent1"/>
-                </a:solidFill>
-              </a14:hiddenFill>
+            <a:ext uri="{53640926-AAD7-44D8-BBD7-CCE9431645EC}">
+              <a14:shadowObscured xmlns:a14="http://schemas.microsoft.com/office/drawing/2010/main"/>
             </a:ext>
           </a:extLst>
         </p:spPr>
       </p:pic>
       <p:pic>
         <p:nvPicPr>
-          <p:cNvPr id="23557" name="Picture 5"/>
-          <p:cNvPicPr>
-            <a:picLocks noChangeAspect="1" noChangeArrowheads="1"/>
-          </p:cNvPicPr>
+          <p:cNvPr id="11" name="Рисунок 10"/>
+          <p:cNvPicPr/>
           <p:nvPr/>
         </p:nvPicPr>
-        <p:blipFill>
-          <a:blip r:embed="rId4">
-            <a:extLst>
-              <a:ext uri="{28A0092B-C50C-407E-A947-70E740481C1C}">
-                <a14:useLocalDpi xmlns:a14="http://schemas.microsoft.com/office/drawing/2010/main" val="0"/>
-              </a:ext>
-            </a:extLst>
-          </a:blip>
-          <a:srcRect/>
-          <a:stretch>
-            <a:fillRect/>
-          </a:stretch>
+        <p:blipFill rotWithShape="1">
+          <a:blip r:embed="rId4"/>
+          <a:srcRect l="10182"/>
+          <a:stretch/>
         </p:blipFill>
         <p:spPr bwMode="auto">
-          <a:xfrm rot="21418838">
-            <a:off x="2909523" y="1271581"/>
-            <a:ext cx="3096346" cy="4733838"/>
+          <a:xfrm>
+            <a:off x="2843808" y="2492896"/>
+            <a:ext cx="1889760" cy="1199515"/>
           </a:xfrm>
           <a:prstGeom prst="rect">
             <a:avLst/>
           </a:prstGeom>
-          <a:noFill/>
-          <a:ln w="28575">
-            <a:solidFill>
-              <a:schemeClr val="tx1"/>
-            </a:solidFill>
-            <a:miter lim="800000"/>
-            <a:headEnd/>
-            <a:tailEnd/>
+          <a:ln>
+            <a:noFill/>
           </a:ln>
           <a:extLst>
-            <a:ext uri="{909E8E84-426E-40DD-AFC4-6F175D3DCCD1}">
-              <a14:hiddenFill xmlns:a14="http://schemas.microsoft.com/office/drawing/2010/main">
-                <a:solidFill>
-                  <a:schemeClr val="accent1"/>
-                </a:solidFill>
-              </a14:hiddenFill>
-            </a:ext>
-          </a:extLst>
-        </p:spPr>
-      </p:pic>
-      <p:pic>
-        <p:nvPicPr>
-          <p:cNvPr id="23558" name="Picture 6"/>
-          <p:cNvPicPr>
-            <a:picLocks noChangeAspect="1" noChangeArrowheads="1"/>
-          </p:cNvPicPr>
-          <p:nvPr/>
-        </p:nvPicPr>
-        <p:blipFill>
-          <a:blip r:embed="rId5">
-            <a:extLst>
-              <a:ext uri="{28A0092B-C50C-407E-A947-70E740481C1C}">
-                <a14:useLocalDpi xmlns:a14="http://schemas.microsoft.com/office/drawing/2010/main" val="0"/>
-              </a:ext>
-            </a:extLst>
-          </a:blip>
-          <a:srcRect/>
-          <a:stretch>
-            <a:fillRect/>
-          </a:stretch>
-        </p:blipFill>
-        <p:spPr bwMode="auto">
-          <a:xfrm rot="203285">
-            <a:off x="2290934" y="1340959"/>
-            <a:ext cx="4041601" cy="4627340"/>
-          </a:xfrm>
-          <a:prstGeom prst="rect">
-            <a:avLst/>
-          </a:prstGeom>
-          <a:noFill/>
-          <a:ln w="28575">
-            <a:solidFill>
-              <a:schemeClr val="tx1"/>
-            </a:solidFill>
-            <a:miter lim="800000"/>
-            <a:headEnd/>
-            <a:tailEnd/>
-          </a:ln>
-          <a:extLst>
-            <a:ext uri="{909E8E84-426E-40DD-AFC4-6F175D3DCCD1}">
-              <a14:hiddenFill xmlns:a14="http://schemas.microsoft.com/office/drawing/2010/main">
-                <a:solidFill>
-                  <a:schemeClr val="accent1"/>
-                </a:solidFill>
-              </a14:hiddenFill>
-            </a:ext>
-          </a:extLst>
-        </p:spPr>
-      </p:pic>
-      <p:pic>
-        <p:nvPicPr>
-          <p:cNvPr id="23555" name="Picture 3"/>
-          <p:cNvPicPr>
-            <a:picLocks noChangeAspect="1" noChangeArrowheads="1"/>
-          </p:cNvPicPr>
-          <p:nvPr/>
-        </p:nvPicPr>
-        <p:blipFill>
-          <a:blip r:embed="rId6">
-            <a:extLst>
-              <a:ext uri="{28A0092B-C50C-407E-A947-70E740481C1C}">
-                <a14:useLocalDpi xmlns:a14="http://schemas.microsoft.com/office/drawing/2010/main" val="0"/>
-              </a:ext>
-            </a:extLst>
-          </a:blip>
-          <a:srcRect/>
-          <a:stretch>
-            <a:fillRect/>
-          </a:stretch>
-        </p:blipFill>
-        <p:spPr bwMode="auto">
-          <a:xfrm rot="21233075">
-            <a:off x="903732" y="1594470"/>
-            <a:ext cx="7107929" cy="3414593"/>
-          </a:xfrm>
-          <a:prstGeom prst="rect">
-            <a:avLst/>
-          </a:prstGeom>
-          <a:noFill/>
-          <a:ln w="28575">
-            <a:solidFill>
-              <a:schemeClr val="tx1"/>
-            </a:solidFill>
-            <a:miter lim="800000"/>
-            <a:headEnd/>
-            <a:tailEnd/>
-          </a:ln>
-          <a:extLst>
-            <a:ext uri="{909E8E84-426E-40DD-AFC4-6F175D3DCCD1}">
-              <a14:hiddenFill xmlns:a14="http://schemas.microsoft.com/office/drawing/2010/main">
-                <a:solidFill>
-                  <a:schemeClr val="accent1"/>
-                </a:solidFill>
-              </a14:hiddenFill>
+            <a:ext uri="{53640926-AAD7-44D8-BBD7-CCE9431645EC}">
+              <a14:shadowObscured xmlns:a14="http://schemas.microsoft.com/office/drawing/2010/main"/>
             </a:ext>
           </a:extLst>
         </p:spPr>
@@ -6482,594 +6472,6 @@
                       </p:childTnLst>
                     </p:cTn>
                   </p:par>
-                  <p:par>
-                    <p:cTn id="13" fill="hold">
-                      <p:stCondLst>
-                        <p:cond delay="indefinite"/>
-                      </p:stCondLst>
-                      <p:childTnLst>
-                        <p:par>
-                          <p:cTn id="14" fill="hold">
-                            <p:stCondLst>
-                              <p:cond delay="0"/>
-                            </p:stCondLst>
-                            <p:childTnLst>
-                              <p:par>
-                                <p:cTn id="15" presetID="10" presetClass="entr" presetSubtype="0" fill="hold" nodeType="clickEffect">
-                                  <p:stCondLst>
-                                    <p:cond delay="0"/>
-                                  </p:stCondLst>
-                                  <p:childTnLst>
-                                    <p:set>
-                                      <p:cBhvr>
-                                        <p:cTn id="16" dur="1" fill="hold">
-                                          <p:stCondLst>
-                                            <p:cond delay="0"/>
-                                          </p:stCondLst>
-                                        </p:cTn>
-                                        <p:tgtEl>
-                                          <p:spTgt spid="3">
-                                            <p:txEl>
-                                              <p:pRg st="2" end="2"/>
-                                            </p:txEl>
-                                          </p:spTgt>
-                                        </p:tgtEl>
-                                        <p:attrNameLst>
-                                          <p:attrName>style.visibility</p:attrName>
-                                        </p:attrNameLst>
-                                      </p:cBhvr>
-                                      <p:to>
-                                        <p:strVal val="visible"/>
-                                      </p:to>
-                                    </p:set>
-                                    <p:animEffect transition="in" filter="fade">
-                                      <p:cBhvr>
-                                        <p:cTn id="17" dur="500"/>
-                                        <p:tgtEl>
-                                          <p:spTgt spid="3">
-                                            <p:txEl>
-                                              <p:pRg st="2" end="2"/>
-                                            </p:txEl>
-                                          </p:spTgt>
-                                        </p:tgtEl>
-                                      </p:cBhvr>
-                                    </p:animEffect>
-                                  </p:childTnLst>
-                                </p:cTn>
-                              </p:par>
-                            </p:childTnLst>
-                          </p:cTn>
-                        </p:par>
-                      </p:childTnLst>
-                    </p:cTn>
-                  </p:par>
-                  <p:par>
-                    <p:cTn id="18" fill="hold">
-                      <p:stCondLst>
-                        <p:cond delay="indefinite"/>
-                      </p:stCondLst>
-                      <p:childTnLst>
-                        <p:par>
-                          <p:cTn id="19" fill="hold">
-                            <p:stCondLst>
-                              <p:cond delay="0"/>
-                            </p:stCondLst>
-                            <p:childTnLst>
-                              <p:par>
-                                <p:cTn id="20" presetID="10" presetClass="entr" presetSubtype="0" fill="hold" nodeType="clickEffect">
-                                  <p:stCondLst>
-                                    <p:cond delay="0"/>
-                                  </p:stCondLst>
-                                  <p:childTnLst>
-                                    <p:set>
-                                      <p:cBhvr>
-                                        <p:cTn id="21" dur="1" fill="hold">
-                                          <p:stCondLst>
-                                            <p:cond delay="0"/>
-                                          </p:stCondLst>
-                                        </p:cTn>
-                                        <p:tgtEl>
-                                          <p:spTgt spid="23556"/>
-                                        </p:tgtEl>
-                                        <p:attrNameLst>
-                                          <p:attrName>style.visibility</p:attrName>
-                                        </p:attrNameLst>
-                                      </p:cBhvr>
-                                      <p:to>
-                                        <p:strVal val="visible"/>
-                                      </p:to>
-                                    </p:set>
-                                    <p:animEffect transition="in" filter="fade">
-                                      <p:cBhvr>
-                                        <p:cTn id="22" dur="500"/>
-                                        <p:tgtEl>
-                                          <p:spTgt spid="23556"/>
-                                        </p:tgtEl>
-                                      </p:cBhvr>
-                                    </p:animEffect>
-                                  </p:childTnLst>
-                                </p:cTn>
-                              </p:par>
-                            </p:childTnLst>
-                          </p:cTn>
-                        </p:par>
-                      </p:childTnLst>
-                    </p:cTn>
-                  </p:par>
-                  <p:par>
-                    <p:cTn id="23" fill="hold">
-                      <p:stCondLst>
-                        <p:cond delay="indefinite"/>
-                      </p:stCondLst>
-                      <p:childTnLst>
-                        <p:par>
-                          <p:cTn id="24" fill="hold">
-                            <p:stCondLst>
-                              <p:cond delay="0"/>
-                            </p:stCondLst>
-                            <p:childTnLst>
-                              <p:par>
-                                <p:cTn id="25" presetID="10" presetClass="exit" presetSubtype="0" fill="hold" nodeType="clickEffect">
-                                  <p:stCondLst>
-                                    <p:cond delay="0"/>
-                                  </p:stCondLst>
-                                  <p:childTnLst>
-                                    <p:animEffect transition="out" filter="fade">
-                                      <p:cBhvr>
-                                        <p:cTn id="26" dur="500"/>
-                                        <p:tgtEl>
-                                          <p:spTgt spid="23556"/>
-                                        </p:tgtEl>
-                                      </p:cBhvr>
-                                    </p:animEffect>
-                                    <p:set>
-                                      <p:cBhvr>
-                                        <p:cTn id="27" dur="1" fill="hold">
-                                          <p:stCondLst>
-                                            <p:cond delay="499"/>
-                                          </p:stCondLst>
-                                        </p:cTn>
-                                        <p:tgtEl>
-                                          <p:spTgt spid="23556"/>
-                                        </p:tgtEl>
-                                        <p:attrNameLst>
-                                          <p:attrName>style.visibility</p:attrName>
-                                        </p:attrNameLst>
-                                      </p:cBhvr>
-                                      <p:to>
-                                        <p:strVal val="hidden"/>
-                                      </p:to>
-                                    </p:set>
-                                  </p:childTnLst>
-                                </p:cTn>
-                              </p:par>
-                            </p:childTnLst>
-                          </p:cTn>
-                        </p:par>
-                        <p:par>
-                          <p:cTn id="28" fill="hold">
-                            <p:stCondLst>
-                              <p:cond delay="500"/>
-                            </p:stCondLst>
-                            <p:childTnLst>
-                              <p:par>
-                                <p:cTn id="29" presetID="10" presetClass="entr" presetSubtype="0" fill="hold" nodeType="afterEffect">
-                                  <p:stCondLst>
-                                    <p:cond delay="0"/>
-                                  </p:stCondLst>
-                                  <p:childTnLst>
-                                    <p:set>
-                                      <p:cBhvr>
-                                        <p:cTn id="30" dur="1" fill="hold">
-                                          <p:stCondLst>
-                                            <p:cond delay="0"/>
-                                          </p:stCondLst>
-                                        </p:cTn>
-                                        <p:tgtEl>
-                                          <p:spTgt spid="3">
-                                            <p:txEl>
-                                              <p:pRg st="3" end="3"/>
-                                            </p:txEl>
-                                          </p:spTgt>
-                                        </p:tgtEl>
-                                        <p:attrNameLst>
-                                          <p:attrName>style.visibility</p:attrName>
-                                        </p:attrNameLst>
-                                      </p:cBhvr>
-                                      <p:to>
-                                        <p:strVal val="visible"/>
-                                      </p:to>
-                                    </p:set>
-                                    <p:animEffect transition="in" filter="fade">
-                                      <p:cBhvr>
-                                        <p:cTn id="31" dur="500"/>
-                                        <p:tgtEl>
-                                          <p:spTgt spid="3">
-                                            <p:txEl>
-                                              <p:pRg st="3" end="3"/>
-                                            </p:txEl>
-                                          </p:spTgt>
-                                        </p:tgtEl>
-                                      </p:cBhvr>
-                                    </p:animEffect>
-                                  </p:childTnLst>
-                                </p:cTn>
-                              </p:par>
-                            </p:childTnLst>
-                          </p:cTn>
-                        </p:par>
-                      </p:childTnLst>
-                    </p:cTn>
-                  </p:par>
-                  <p:par>
-                    <p:cTn id="32" fill="hold">
-                      <p:stCondLst>
-                        <p:cond delay="indefinite"/>
-                      </p:stCondLst>
-                      <p:childTnLst>
-                        <p:par>
-                          <p:cTn id="33" fill="hold">
-                            <p:stCondLst>
-                              <p:cond delay="0"/>
-                            </p:stCondLst>
-                            <p:childTnLst>
-                              <p:par>
-                                <p:cTn id="34" presetID="10" presetClass="entr" presetSubtype="0" fill="hold" nodeType="clickEffect">
-                                  <p:stCondLst>
-                                    <p:cond delay="0"/>
-                                  </p:stCondLst>
-                                  <p:childTnLst>
-                                    <p:set>
-                                      <p:cBhvr>
-                                        <p:cTn id="35" dur="1" fill="hold">
-                                          <p:stCondLst>
-                                            <p:cond delay="0"/>
-                                          </p:stCondLst>
-                                        </p:cTn>
-                                        <p:tgtEl>
-                                          <p:spTgt spid="23557"/>
-                                        </p:tgtEl>
-                                        <p:attrNameLst>
-                                          <p:attrName>style.visibility</p:attrName>
-                                        </p:attrNameLst>
-                                      </p:cBhvr>
-                                      <p:to>
-                                        <p:strVal val="visible"/>
-                                      </p:to>
-                                    </p:set>
-                                    <p:animEffect transition="in" filter="fade">
-                                      <p:cBhvr>
-                                        <p:cTn id="36" dur="500"/>
-                                        <p:tgtEl>
-                                          <p:spTgt spid="23557"/>
-                                        </p:tgtEl>
-                                      </p:cBhvr>
-                                    </p:animEffect>
-                                  </p:childTnLst>
-                                </p:cTn>
-                              </p:par>
-                            </p:childTnLst>
-                          </p:cTn>
-                        </p:par>
-                      </p:childTnLst>
-                    </p:cTn>
-                  </p:par>
-                  <p:par>
-                    <p:cTn id="37" fill="hold">
-                      <p:stCondLst>
-                        <p:cond delay="indefinite"/>
-                      </p:stCondLst>
-                      <p:childTnLst>
-                        <p:par>
-                          <p:cTn id="38" fill="hold">
-                            <p:stCondLst>
-                              <p:cond delay="0"/>
-                            </p:stCondLst>
-                            <p:childTnLst>
-                              <p:par>
-                                <p:cTn id="39" presetID="10" presetClass="exit" presetSubtype="0" fill="hold" nodeType="clickEffect">
-                                  <p:stCondLst>
-                                    <p:cond delay="0"/>
-                                  </p:stCondLst>
-                                  <p:childTnLst>
-                                    <p:animEffect transition="out" filter="fade">
-                                      <p:cBhvr>
-                                        <p:cTn id="40" dur="500"/>
-                                        <p:tgtEl>
-                                          <p:spTgt spid="23557"/>
-                                        </p:tgtEl>
-                                      </p:cBhvr>
-                                    </p:animEffect>
-                                    <p:set>
-                                      <p:cBhvr>
-                                        <p:cTn id="41" dur="1" fill="hold">
-                                          <p:stCondLst>
-                                            <p:cond delay="499"/>
-                                          </p:stCondLst>
-                                        </p:cTn>
-                                        <p:tgtEl>
-                                          <p:spTgt spid="23557"/>
-                                        </p:tgtEl>
-                                        <p:attrNameLst>
-                                          <p:attrName>style.visibility</p:attrName>
-                                        </p:attrNameLst>
-                                      </p:cBhvr>
-                                      <p:to>
-                                        <p:strVal val="hidden"/>
-                                      </p:to>
-                                    </p:set>
-                                  </p:childTnLst>
-                                </p:cTn>
-                              </p:par>
-                            </p:childTnLst>
-                          </p:cTn>
-                        </p:par>
-                        <p:par>
-                          <p:cTn id="42" fill="hold">
-                            <p:stCondLst>
-                              <p:cond delay="500"/>
-                            </p:stCondLst>
-                            <p:childTnLst>
-                              <p:par>
-                                <p:cTn id="43" presetID="10" presetClass="entr" presetSubtype="0" fill="hold" nodeType="afterEffect">
-                                  <p:stCondLst>
-                                    <p:cond delay="0"/>
-                                  </p:stCondLst>
-                                  <p:childTnLst>
-                                    <p:set>
-                                      <p:cBhvr>
-                                        <p:cTn id="44" dur="1" fill="hold">
-                                          <p:stCondLst>
-                                            <p:cond delay="0"/>
-                                          </p:stCondLst>
-                                        </p:cTn>
-                                        <p:tgtEl>
-                                          <p:spTgt spid="3">
-                                            <p:txEl>
-                                              <p:pRg st="4" end="4"/>
-                                            </p:txEl>
-                                          </p:spTgt>
-                                        </p:tgtEl>
-                                        <p:attrNameLst>
-                                          <p:attrName>style.visibility</p:attrName>
-                                        </p:attrNameLst>
-                                      </p:cBhvr>
-                                      <p:to>
-                                        <p:strVal val="visible"/>
-                                      </p:to>
-                                    </p:set>
-                                    <p:animEffect transition="in" filter="fade">
-                                      <p:cBhvr>
-                                        <p:cTn id="45" dur="500"/>
-                                        <p:tgtEl>
-                                          <p:spTgt spid="3">
-                                            <p:txEl>
-                                              <p:pRg st="4" end="4"/>
-                                            </p:txEl>
-                                          </p:spTgt>
-                                        </p:tgtEl>
-                                      </p:cBhvr>
-                                    </p:animEffect>
-                                  </p:childTnLst>
-                                </p:cTn>
-                              </p:par>
-                            </p:childTnLst>
-                          </p:cTn>
-                        </p:par>
-                      </p:childTnLst>
-                    </p:cTn>
-                  </p:par>
-                  <p:par>
-                    <p:cTn id="46" fill="hold">
-                      <p:stCondLst>
-                        <p:cond delay="indefinite"/>
-                      </p:stCondLst>
-                      <p:childTnLst>
-                        <p:par>
-                          <p:cTn id="47" fill="hold">
-                            <p:stCondLst>
-                              <p:cond delay="0"/>
-                            </p:stCondLst>
-                            <p:childTnLst>
-                              <p:par>
-                                <p:cTn id="48" presetID="10" presetClass="entr" presetSubtype="0" fill="hold" nodeType="clickEffect">
-                                  <p:stCondLst>
-                                    <p:cond delay="0"/>
-                                  </p:stCondLst>
-                                  <p:childTnLst>
-                                    <p:set>
-                                      <p:cBhvr>
-                                        <p:cTn id="49" dur="1" fill="hold">
-                                          <p:stCondLst>
-                                            <p:cond delay="0"/>
-                                          </p:stCondLst>
-                                        </p:cTn>
-                                        <p:tgtEl>
-                                          <p:spTgt spid="23558"/>
-                                        </p:tgtEl>
-                                        <p:attrNameLst>
-                                          <p:attrName>style.visibility</p:attrName>
-                                        </p:attrNameLst>
-                                      </p:cBhvr>
-                                      <p:to>
-                                        <p:strVal val="visible"/>
-                                      </p:to>
-                                    </p:set>
-                                    <p:animEffect transition="in" filter="fade">
-                                      <p:cBhvr>
-                                        <p:cTn id="50" dur="500"/>
-                                        <p:tgtEl>
-                                          <p:spTgt spid="23558"/>
-                                        </p:tgtEl>
-                                      </p:cBhvr>
-                                    </p:animEffect>
-                                  </p:childTnLst>
-                                </p:cTn>
-                              </p:par>
-                            </p:childTnLst>
-                          </p:cTn>
-                        </p:par>
-                      </p:childTnLst>
-                    </p:cTn>
-                  </p:par>
-                  <p:par>
-                    <p:cTn id="51" fill="hold">
-                      <p:stCondLst>
-                        <p:cond delay="indefinite"/>
-                      </p:stCondLst>
-                      <p:childTnLst>
-                        <p:par>
-                          <p:cTn id="52" fill="hold">
-                            <p:stCondLst>
-                              <p:cond delay="0"/>
-                            </p:stCondLst>
-                            <p:childTnLst>
-                              <p:par>
-                                <p:cTn id="53" presetID="10" presetClass="exit" presetSubtype="0" fill="hold" nodeType="clickEffect">
-                                  <p:stCondLst>
-                                    <p:cond delay="0"/>
-                                  </p:stCondLst>
-                                  <p:childTnLst>
-                                    <p:animEffect transition="out" filter="fade">
-                                      <p:cBhvr>
-                                        <p:cTn id="54" dur="500"/>
-                                        <p:tgtEl>
-                                          <p:spTgt spid="23558"/>
-                                        </p:tgtEl>
-                                      </p:cBhvr>
-                                    </p:animEffect>
-                                    <p:set>
-                                      <p:cBhvr>
-                                        <p:cTn id="55" dur="1" fill="hold">
-                                          <p:stCondLst>
-                                            <p:cond delay="499"/>
-                                          </p:stCondLst>
-                                        </p:cTn>
-                                        <p:tgtEl>
-                                          <p:spTgt spid="23558"/>
-                                        </p:tgtEl>
-                                        <p:attrNameLst>
-                                          <p:attrName>style.visibility</p:attrName>
-                                        </p:attrNameLst>
-                                      </p:cBhvr>
-                                      <p:to>
-                                        <p:strVal val="hidden"/>
-                                      </p:to>
-                                    </p:set>
-                                  </p:childTnLst>
-                                </p:cTn>
-                              </p:par>
-                            </p:childTnLst>
-                          </p:cTn>
-                        </p:par>
-                        <p:par>
-                          <p:cTn id="56" fill="hold">
-                            <p:stCondLst>
-                              <p:cond delay="500"/>
-                            </p:stCondLst>
-                            <p:childTnLst>
-                              <p:par>
-                                <p:cTn id="57" presetID="10" presetClass="entr" presetSubtype="0" fill="hold" nodeType="afterEffect">
-                                  <p:stCondLst>
-                                    <p:cond delay="0"/>
-                                  </p:stCondLst>
-                                  <p:childTnLst>
-                                    <p:set>
-                                      <p:cBhvr>
-                                        <p:cTn id="58" dur="1" fill="hold">
-                                          <p:stCondLst>
-                                            <p:cond delay="0"/>
-                                          </p:stCondLst>
-                                        </p:cTn>
-                                        <p:tgtEl>
-                                          <p:spTgt spid="3">
-                                            <p:txEl>
-                                              <p:pRg st="5" end="5"/>
-                                            </p:txEl>
-                                          </p:spTgt>
-                                        </p:tgtEl>
-                                        <p:attrNameLst>
-                                          <p:attrName>style.visibility</p:attrName>
-                                        </p:attrNameLst>
-                                      </p:cBhvr>
-                                      <p:to>
-                                        <p:strVal val="visible"/>
-                                      </p:to>
-                                    </p:set>
-                                    <p:animEffect transition="in" filter="fade">
-                                      <p:cBhvr>
-                                        <p:cTn id="59" dur="500"/>
-                                        <p:tgtEl>
-                                          <p:spTgt spid="3">
-                                            <p:txEl>
-                                              <p:pRg st="5" end="5"/>
-                                            </p:txEl>
-                                          </p:spTgt>
-                                        </p:tgtEl>
-                                      </p:cBhvr>
-                                    </p:animEffect>
-                                  </p:childTnLst>
-                                </p:cTn>
-                              </p:par>
-                            </p:childTnLst>
-                          </p:cTn>
-                        </p:par>
-                      </p:childTnLst>
-                    </p:cTn>
-                  </p:par>
-                  <p:par>
-                    <p:cTn id="60" fill="hold">
-                      <p:stCondLst>
-                        <p:cond delay="indefinite"/>
-                      </p:stCondLst>
-                      <p:childTnLst>
-                        <p:par>
-                          <p:cTn id="61" fill="hold">
-                            <p:stCondLst>
-                              <p:cond delay="0"/>
-                            </p:stCondLst>
-                            <p:childTnLst>
-                              <p:par>
-                                <p:cTn id="62" presetID="10" presetClass="entr" presetSubtype="0" fill="hold" nodeType="clickEffect">
-                                  <p:stCondLst>
-                                    <p:cond delay="0"/>
-                                  </p:stCondLst>
-                                  <p:childTnLst>
-                                    <p:set>
-                                      <p:cBhvr>
-                                        <p:cTn id="63" dur="1" fill="hold">
-                                          <p:stCondLst>
-                                            <p:cond delay="0"/>
-                                          </p:stCondLst>
-                                        </p:cTn>
-                                        <p:tgtEl>
-                                          <p:spTgt spid="23555"/>
-                                        </p:tgtEl>
-                                        <p:attrNameLst>
-                                          <p:attrName>style.visibility</p:attrName>
-                                        </p:attrNameLst>
-                                      </p:cBhvr>
-                                      <p:to>
-                                        <p:strVal val="visible"/>
-                                      </p:to>
-                                    </p:set>
-                                    <p:animEffect transition="in" filter="fade">
-                                      <p:cBhvr>
-                                        <p:cTn id="64" dur="500"/>
-                                        <p:tgtEl>
-                                          <p:spTgt spid="23555"/>
-                                        </p:tgtEl>
-                                      </p:cBhvr>
-                                    </p:animEffect>
-                                  </p:childTnLst>
-                                </p:cTn>
-                              </p:par>
-                            </p:childTnLst>
-                          </p:cTn>
-                        </p:par>
-                      </p:childTnLst>
-                    </p:cTn>
-                  </p:par>
                 </p:childTnLst>
               </p:cTn>
               <p:prevCondLst>
@@ -7236,6 +6638,35 @@
           </a:p>
         </p:txBody>
       </p:sp>
+      <p:pic>
+        <p:nvPicPr>
+          <p:cNvPr id="4" name="Рисунок 3"/>
+          <p:cNvPicPr/>
+          <p:nvPr/>
+        </p:nvPicPr>
+        <p:blipFill rotWithShape="1">
+          <a:blip r:embed="rId2"/>
+          <a:srcRect l="8464"/>
+          <a:stretch/>
+        </p:blipFill>
+        <p:spPr bwMode="auto">
+          <a:xfrm>
+            <a:off x="3636327" y="2647315"/>
+            <a:ext cx="1871345" cy="1563370"/>
+          </a:xfrm>
+          <a:prstGeom prst="rect">
+            <a:avLst/>
+          </a:prstGeom>
+          <a:ln>
+            <a:noFill/>
+          </a:ln>
+          <a:extLst>
+            <a:ext uri="{53640926-AAD7-44D8-BBD7-CCE9431645EC}">
+              <a14:shadowObscured xmlns:a14="http://schemas.microsoft.com/office/drawing/2010/main"/>
+            </a:ext>
+          </a:extLst>
+        </p:spPr>
+      </p:pic>
     </p:spTree>
     <p:extLst>
       <p:ext uri="{BB962C8B-B14F-4D97-AF65-F5344CB8AC3E}">
@@ -7633,7 +7064,7 @@
                 </a:solidFill>
                 <a:latin typeface="+mn-lt"/>
               </a:rPr>
-              <a:t>Логическая структура типов ошибок</a:t>
+              <a:t>Структура классов «Типы ошибок»</a:t>
             </a:r>
           </a:p>
         </p:txBody>
@@ -7710,7 +7141,7 @@
           <p:nvPr>
             <p:extLst>
               <p:ext uri="{D42A27DB-BD31-4B8C-83A1-F6EECF244321}">
-                <p14:modId xmlns:p14="http://schemas.microsoft.com/office/powerpoint/2010/main" val="1881355057"/>
+                <p14:modId xmlns:p14="http://schemas.microsoft.com/office/powerpoint/2010/main" val="2023823600"/>
               </p:ext>
             </p:extLst>
           </p:nvPr>
@@ -7723,7 +7154,7 @@
           <a:graphicData uri="http://schemas.openxmlformats.org/presentationml/2006/ole">
             <mc:AlternateContent xmlns:mc="http://schemas.openxmlformats.org/markup-compatibility/2006">
               <mc:Choice xmlns:v="urn:schemas-microsoft-com:vml" Requires="v">
-                <p:oleObj spid="_x0000_s3076" name="Visio" r:id="rId3" imgW="12220617" imgH="5143616" progId="Visio.Drawing.15">
+                <p:oleObj spid="_x0000_s3078" name="Visio" r:id="rId3" imgW="12220617" imgH="5143616" progId="Visio.Drawing.15">
                   <p:embed/>
                 </p:oleObj>
               </mc:Choice>
@@ -7808,106 +7239,20 @@
           <a:chExt cx="0" cy="0"/>
         </a:xfrm>
       </p:grpSpPr>
-      <p:sp>
-        <p:nvSpPr>
-          <p:cNvPr id="2" name="Заголовок 1"/>
-          <p:cNvSpPr>
-            <a:spLocks noGrp="1"/>
-          </p:cNvSpPr>
-          <p:nvPr>
-            <p:ph type="title"/>
-          </p:nvPr>
-        </p:nvSpPr>
-        <p:spPr/>
-        <p:txBody>
-          <a:bodyPr/>
-          <a:lstStyle/>
-          <a:p>
-            <a:pPr lvl="2" algn="ctr" rtl="0">
-              <a:spcBef>
-                <a:spcPct val="0"/>
-              </a:spcBef>
-            </a:pPr>
-            <a:r>
-              <a:rPr lang="ru-RU" sz="4000" i="1" kern="1200" dirty="0">
-                <a:solidFill>
-                  <a:srgbClr val="800000"/>
-                </a:solidFill>
-                <a:latin typeface="+mn-lt"/>
-                <a:ea typeface="+mj-ea"/>
-                <a:cs typeface="+mj-cs"/>
-              </a:rPr>
-              <a:t>Генерация</a:t>
-            </a:r>
-            <a:r>
-              <a:rPr lang="ru-RU" b="1" i="1" dirty="0" smtClean="0"/>
-              <a:t> </a:t>
-            </a:r>
-            <a:r>
-              <a:rPr lang="ru-RU" sz="4000" i="1" kern="1200" dirty="0">
-                <a:solidFill>
-                  <a:srgbClr val="800000"/>
-                </a:solidFill>
-                <a:latin typeface="+mn-lt"/>
-                <a:ea typeface="+mj-ea"/>
-                <a:cs typeface="+mj-cs"/>
-              </a:rPr>
-              <a:t>отчетов</a:t>
-            </a:r>
-            <a:r>
-              <a:rPr lang="ru-RU" b="1" i="1" dirty="0" smtClean="0"/>
-              <a:t/>
-            </a:r>
-            <a:br>
-              <a:rPr lang="ru-RU" b="1" i="1" dirty="0" smtClean="0"/>
-            </a:br>
-            <a:endParaRPr lang="ru-RU" dirty="0"/>
-          </a:p>
-        </p:txBody>
-      </p:sp>
-      <p:sp>
-        <p:nvSpPr>
-          <p:cNvPr id="3" name="Объект 2"/>
-          <p:cNvSpPr>
-            <a:spLocks noGrp="1"/>
-          </p:cNvSpPr>
-          <p:nvPr>
-            <p:ph sz="quarter" idx="1"/>
-          </p:nvPr>
-        </p:nvSpPr>
-        <p:spPr/>
-        <p:txBody>
-          <a:bodyPr/>
-          <a:lstStyle/>
-          <a:p>
-            <a:pPr marL="0" indent="0">
-              <a:buNone/>
-            </a:pPr>
-            <a:r>
-              <a:rPr lang="ru-RU" dirty="0"/>
-              <a:t>Библиотека позволяет создавать пользовательские отчеты об ошибках нескольких типов:</a:t>
-            </a:r>
-          </a:p>
-          <a:p>
-            <a:pPr lvl="0"/>
-            <a:r>
-              <a:rPr lang="ru-RU" dirty="0"/>
-              <a:t>Текстовый файл, в который построчно записываются сообщения о найденных некорректных данных. Текст сообщения содержит тип ошибки, позицию некорректного значения в исходной таблице данных, само значение.</a:t>
-            </a:r>
-          </a:p>
-          <a:p>
-            <a:endParaRPr lang="ru-RU" dirty="0"/>
-          </a:p>
-        </p:txBody>
-      </p:sp>
       <p:pic>
         <p:nvPicPr>
-          <p:cNvPr id="5" name="Рисунок 4"/>
+          <p:cNvPr id="6" name="Рисунок 5"/>
           <p:cNvPicPr/>
           <p:nvPr/>
         </p:nvPicPr>
         <p:blipFill>
-          <a:blip r:embed="rId2"/>
+          <a:blip r:embed="rId2">
+            <a:extLst>
+              <a:ext uri="{28A0092B-C50C-407E-A947-70E740481C1C}">
+                <a14:useLocalDpi xmlns:a14="http://schemas.microsoft.com/office/drawing/2010/main" val="0"/>
+              </a:ext>
+            </a:extLst>
+          </a:blip>
           <a:stretch>
             <a:fillRect/>
           </a:stretch>
@@ -7915,7 +7260,7 @@
         <p:spPr>
           <a:xfrm>
             <a:off x="539552" y="2132856"/>
-            <a:ext cx="8064896" cy="3096344"/>
+            <a:ext cx="8064896" cy="3024335"/>
           </a:xfrm>
           <a:prstGeom prst="rect">
             <a:avLst/>
@@ -7936,6 +7281,98 @@
           </a:effectLst>
         </p:spPr>
       </p:pic>
+      <p:sp>
+        <p:nvSpPr>
+          <p:cNvPr id="2" name="Заголовок 1"/>
+          <p:cNvSpPr>
+            <a:spLocks noGrp="1"/>
+          </p:cNvSpPr>
+          <p:nvPr>
+            <p:ph type="title"/>
+          </p:nvPr>
+        </p:nvSpPr>
+        <p:spPr/>
+        <p:txBody>
+          <a:bodyPr/>
+          <a:lstStyle/>
+          <a:p>
+            <a:pPr lvl="2" algn="ctr" rtl="0">
+              <a:spcBef>
+                <a:spcPct val="0"/>
+              </a:spcBef>
+            </a:pPr>
+            <a:r>
+              <a:rPr lang="ru-RU" sz="4000" i="1" kern="1200" dirty="0">
+                <a:solidFill>
+                  <a:srgbClr val="800000"/>
+                </a:solidFill>
+                <a:latin typeface="+mn-lt"/>
+                <a:ea typeface="+mj-ea"/>
+                <a:cs typeface="+mj-cs"/>
+              </a:rPr>
+              <a:t>Генерация</a:t>
+            </a:r>
+            <a:r>
+              <a:rPr lang="ru-RU" b="1" i="1" dirty="0" smtClean="0"/>
+              <a:t> </a:t>
+            </a:r>
+            <a:r>
+              <a:rPr lang="ru-RU" sz="4000" i="1" kern="1200" dirty="0">
+                <a:solidFill>
+                  <a:srgbClr val="800000"/>
+                </a:solidFill>
+                <a:latin typeface="+mn-lt"/>
+                <a:ea typeface="+mj-ea"/>
+                <a:cs typeface="+mj-cs"/>
+              </a:rPr>
+              <a:t>отчетов</a:t>
+            </a:r>
+            <a:r>
+              <a:rPr lang="ru-RU" b="1" i="1" dirty="0" smtClean="0"/>
+              <a:t/>
+            </a:r>
+            <a:br>
+              <a:rPr lang="ru-RU" b="1" i="1" dirty="0" smtClean="0"/>
+            </a:br>
+            <a:endParaRPr lang="ru-RU" dirty="0"/>
+          </a:p>
+        </p:txBody>
+      </p:sp>
+      <p:sp>
+        <p:nvSpPr>
+          <p:cNvPr id="3" name="Объект 2"/>
+          <p:cNvSpPr>
+            <a:spLocks noGrp="1"/>
+          </p:cNvSpPr>
+          <p:nvPr>
+            <p:ph sz="quarter" idx="1"/>
+          </p:nvPr>
+        </p:nvSpPr>
+        <p:spPr/>
+        <p:txBody>
+          <a:bodyPr/>
+          <a:lstStyle/>
+          <a:p>
+            <a:pPr marL="0" indent="0">
+              <a:buNone/>
+            </a:pPr>
+            <a:r>
+              <a:rPr lang="ru-RU" dirty="0"/>
+              <a:t>Библиотека позволяет создавать пользовательские отчеты об ошибках нескольких типов:</a:t>
+            </a:r>
+          </a:p>
+          <a:p>
+            <a:pPr lvl="0"/>
+            <a:r>
+              <a:rPr lang="ru-RU" dirty="0" smtClean="0"/>
+              <a:t>Текстовый файл, в который построчно записываются сообщения о найденных некорректных данных. Текст сообщения содержит тип ошибки, позицию некорректного значения в исходной таблице данных, само значение.</a:t>
+            </a:r>
+          </a:p>
+          <a:p>
+            <a:endParaRPr lang="ru-RU" dirty="0"/>
+          </a:p>
+        </p:txBody>
+      </p:sp>
     </p:spTree>
     <p:extLst>
       <p:ext uri="{BB962C8B-B14F-4D97-AF65-F5344CB8AC3E}">
@@ -8293,90 +7730,16 @@
             </a:r>
             <a:r>
               <a:rPr lang="ru-RU" dirty="0"/>
-              <a:t>-таблица с несколькими стилями, которые применяются для наглядного отображения найденных проблем.</a:t>
-            </a:r>
-          </a:p>
-          <a:p>
+              <a:t>-файл с различными стилями, которые применяются для наглядного отображения найденных ошибок</a:t>
+            </a:r>
+            <a:r>
+              <a:rPr lang="ru-RU" dirty="0" smtClean="0"/>
+              <a:t>.</a:t>
+            </a:r>
             <a:endParaRPr lang="ru-RU" dirty="0"/>
           </a:p>
         </p:txBody>
       </p:sp>
-      <p:pic>
-        <p:nvPicPr>
-          <p:cNvPr id="5" name="Рисунок 4"/>
-          <p:cNvPicPr/>
-          <p:nvPr/>
-        </p:nvPicPr>
-        <p:blipFill rotWithShape="1">
-          <a:blip r:embed="rId2"/>
-          <a:srcRect t="-1" r="48273" b="169"/>
-          <a:stretch/>
-        </p:blipFill>
-        <p:spPr bwMode="auto">
-          <a:xfrm>
-            <a:off x="755576" y="476672"/>
-            <a:ext cx="7344816" cy="5956622"/>
-          </a:xfrm>
-          <a:prstGeom prst="rect">
-            <a:avLst/>
-          </a:prstGeom>
-          <a:noFill/>
-          <a:ln w="28575">
-            <a:solidFill>
-              <a:schemeClr val="tx1"/>
-            </a:solidFill>
-            <a:miter lim="800000"/>
-            <a:headEnd/>
-            <a:tailEnd/>
-          </a:ln>
-          <a:extLst>
-            <a:ext uri="{53640926-AAD7-44D8-BBD7-CCE9431645EC}">
-              <a14:shadowObscured xmlns:a14="http://schemas.microsoft.com/office/drawing/2010/main"/>
-            </a:ext>
-          </a:extLst>
-        </p:spPr>
-      </p:pic>
-      <p:pic>
-        <p:nvPicPr>
-          <p:cNvPr id="6" name="Рисунок 5"/>
-          <p:cNvPicPr/>
-          <p:nvPr/>
-        </p:nvPicPr>
-        <p:blipFill rotWithShape="1">
-          <a:blip r:embed="rId3">
-            <a:extLst>
-              <a:ext uri="{28A0092B-C50C-407E-A947-70E740481C1C}">
-                <a14:useLocalDpi xmlns:a14="http://schemas.microsoft.com/office/drawing/2010/main" val="0"/>
-              </a:ext>
-            </a:extLst>
-          </a:blip>
-          <a:srcRect b="55746"/>
-          <a:stretch/>
-        </p:blipFill>
-        <p:spPr bwMode="auto">
-          <a:xfrm>
-            <a:off x="2195736" y="264319"/>
-            <a:ext cx="5507673" cy="6381328"/>
-          </a:xfrm>
-          <a:prstGeom prst="rect">
-            <a:avLst/>
-          </a:prstGeom>
-          <a:noFill/>
-          <a:ln w="28575">
-            <a:solidFill>
-              <a:schemeClr val="tx1"/>
-            </a:solidFill>
-            <a:miter lim="800000"/>
-            <a:headEnd/>
-            <a:tailEnd/>
-          </a:ln>
-          <a:extLst>
-            <a:ext uri="{53640926-AAD7-44D8-BBD7-CCE9431645EC}">
-              <a14:shadowObscured xmlns:a14="http://schemas.microsoft.com/office/drawing/2010/main"/>
-            </a:ext>
-          </a:extLst>
-        </p:spPr>
-      </p:pic>
     </p:spTree>
     <p:extLst>
       <p:ext uri="{BB962C8B-B14F-4D97-AF65-F5344CB8AC3E}">
@@ -8393,239 +7756,7 @@
   <p:timing>
     <p:tnLst>
       <p:par>
-        <p:cTn id="1" dur="indefinite" restart="never" nodeType="tmRoot">
-          <p:childTnLst>
-            <p:seq concurrent="1" nextAc="seek">
-              <p:cTn id="2" dur="indefinite" nodeType="mainSeq">
-                <p:childTnLst>
-                  <p:par>
-                    <p:cTn id="3" fill="hold">
-                      <p:stCondLst>
-                        <p:cond delay="indefinite"/>
-                      </p:stCondLst>
-                      <p:childTnLst>
-                        <p:par>
-                          <p:cTn id="4" fill="hold">
-                            <p:stCondLst>
-                              <p:cond delay="0"/>
-                            </p:stCondLst>
-                            <p:childTnLst>
-                              <p:par>
-                                <p:cTn id="5" presetID="2" presetClass="entr" presetSubtype="4" fill="hold" nodeType="clickEffect">
-                                  <p:stCondLst>
-                                    <p:cond delay="0"/>
-                                  </p:stCondLst>
-                                  <p:childTnLst>
-                                    <p:set>
-                                      <p:cBhvr>
-                                        <p:cTn id="6" dur="1" fill="hold">
-                                          <p:stCondLst>
-                                            <p:cond delay="0"/>
-                                          </p:stCondLst>
-                                        </p:cTn>
-                                        <p:tgtEl>
-                                          <p:spTgt spid="3">
-                                            <p:txEl>
-                                              <p:pRg st="1" end="1"/>
-                                            </p:txEl>
-                                          </p:spTgt>
-                                        </p:tgtEl>
-                                        <p:attrNameLst>
-                                          <p:attrName>style.visibility</p:attrName>
-                                        </p:attrNameLst>
-                                      </p:cBhvr>
-                                      <p:to>
-                                        <p:strVal val="visible"/>
-                                      </p:to>
-                                    </p:set>
-                                    <p:anim calcmode="lin" valueType="num">
-                                      <p:cBhvr additive="base">
-                                        <p:cTn id="7" dur="500" fill="hold"/>
-                                        <p:tgtEl>
-                                          <p:spTgt spid="3">
-                                            <p:txEl>
-                                              <p:pRg st="1" end="1"/>
-                                            </p:txEl>
-                                          </p:spTgt>
-                                        </p:tgtEl>
-                                        <p:attrNameLst>
-                                          <p:attrName>ppt_x</p:attrName>
-                                        </p:attrNameLst>
-                                      </p:cBhvr>
-                                      <p:tavLst>
-                                        <p:tav tm="0">
-                                          <p:val>
-                                            <p:strVal val="#ppt_x"/>
-                                          </p:val>
-                                        </p:tav>
-                                        <p:tav tm="100000">
-                                          <p:val>
-                                            <p:strVal val="#ppt_x"/>
-                                          </p:val>
-                                        </p:tav>
-                                      </p:tavLst>
-                                    </p:anim>
-                                    <p:anim calcmode="lin" valueType="num">
-                                      <p:cBhvr additive="base">
-                                        <p:cTn id="8" dur="500" fill="hold"/>
-                                        <p:tgtEl>
-                                          <p:spTgt spid="3">
-                                            <p:txEl>
-                                              <p:pRg st="1" end="1"/>
-                                            </p:txEl>
-                                          </p:spTgt>
-                                        </p:tgtEl>
-                                        <p:attrNameLst>
-                                          <p:attrName>ppt_y</p:attrName>
-                                        </p:attrNameLst>
-                                      </p:cBhvr>
-                                      <p:tavLst>
-                                        <p:tav tm="0">
-                                          <p:val>
-                                            <p:strVal val="1+#ppt_h/2"/>
-                                          </p:val>
-                                        </p:tav>
-                                        <p:tav tm="100000">
-                                          <p:val>
-                                            <p:strVal val="#ppt_y"/>
-                                          </p:val>
-                                        </p:tav>
-                                      </p:tavLst>
-                                    </p:anim>
-                                  </p:childTnLst>
-                                </p:cTn>
-                              </p:par>
-                            </p:childTnLst>
-                          </p:cTn>
-                        </p:par>
-                      </p:childTnLst>
-                    </p:cTn>
-                  </p:par>
-                  <p:par>
-                    <p:cTn id="9" fill="hold">
-                      <p:stCondLst>
-                        <p:cond delay="indefinite"/>
-                      </p:stCondLst>
-                      <p:childTnLst>
-                        <p:par>
-                          <p:cTn id="10" fill="hold">
-                            <p:stCondLst>
-                              <p:cond delay="0"/>
-                            </p:stCondLst>
-                            <p:childTnLst>
-                              <p:par>
-                                <p:cTn id="11" presetID="10" presetClass="entr" presetSubtype="0" fill="hold" nodeType="clickEffect">
-                                  <p:stCondLst>
-                                    <p:cond delay="0"/>
-                                  </p:stCondLst>
-                                  <p:childTnLst>
-                                    <p:set>
-                                      <p:cBhvr>
-                                        <p:cTn id="12" dur="1" fill="hold">
-                                          <p:stCondLst>
-                                            <p:cond delay="0"/>
-                                          </p:stCondLst>
-                                        </p:cTn>
-                                        <p:tgtEl>
-                                          <p:spTgt spid="5"/>
-                                        </p:tgtEl>
-                                        <p:attrNameLst>
-                                          <p:attrName>style.visibility</p:attrName>
-                                        </p:attrNameLst>
-                                      </p:cBhvr>
-                                      <p:to>
-                                        <p:strVal val="visible"/>
-                                      </p:to>
-                                    </p:set>
-                                    <p:animEffect transition="in" filter="fade">
-                                      <p:cBhvr>
-                                        <p:cTn id="13" dur="500"/>
-                                        <p:tgtEl>
-                                          <p:spTgt spid="5"/>
-                                        </p:tgtEl>
-                                      </p:cBhvr>
-                                    </p:animEffect>
-                                  </p:childTnLst>
-                                </p:cTn>
-                              </p:par>
-                            </p:childTnLst>
-                          </p:cTn>
-                        </p:par>
-                      </p:childTnLst>
-                    </p:cTn>
-                  </p:par>
-                  <p:par>
-                    <p:cTn id="14" fill="hold">
-                      <p:stCondLst>
-                        <p:cond delay="indefinite"/>
-                      </p:stCondLst>
-                      <p:childTnLst>
-                        <p:par>
-                          <p:cTn id="15" fill="hold">
-                            <p:stCondLst>
-                              <p:cond delay="0"/>
-                            </p:stCondLst>
-                            <p:childTnLst>
-                              <p:par>
-                                <p:cTn id="16" presetID="10" presetClass="entr" presetSubtype="0" fill="hold" nodeType="clickEffect">
-                                  <p:stCondLst>
-                                    <p:cond delay="0"/>
-                                  </p:stCondLst>
-                                  <p:childTnLst>
-                                    <p:set>
-                                      <p:cBhvr>
-                                        <p:cTn id="17" dur="1" fill="hold">
-                                          <p:stCondLst>
-                                            <p:cond delay="0"/>
-                                          </p:stCondLst>
-                                        </p:cTn>
-                                        <p:tgtEl>
-                                          <p:spTgt spid="6"/>
-                                        </p:tgtEl>
-                                        <p:attrNameLst>
-                                          <p:attrName>style.visibility</p:attrName>
-                                        </p:attrNameLst>
-                                      </p:cBhvr>
-                                      <p:to>
-                                        <p:strVal val="visible"/>
-                                      </p:to>
-                                    </p:set>
-                                    <p:animEffect transition="in" filter="fade">
-                                      <p:cBhvr>
-                                        <p:cTn id="18" dur="500"/>
-                                        <p:tgtEl>
-                                          <p:spTgt spid="6"/>
-                                        </p:tgtEl>
-                                      </p:cBhvr>
-                                    </p:animEffect>
-                                  </p:childTnLst>
-                                </p:cTn>
-                              </p:par>
-                            </p:childTnLst>
-                          </p:cTn>
-                        </p:par>
-                      </p:childTnLst>
-                    </p:cTn>
-                  </p:par>
-                </p:childTnLst>
-              </p:cTn>
-              <p:prevCondLst>
-                <p:cond evt="onPrev" delay="0">
-                  <p:tgtEl>
-                    <p:sldTgt/>
-                  </p:tgtEl>
-                </p:cond>
-              </p:prevCondLst>
-              <p:nextCondLst>
-                <p:cond evt="onNext" delay="0">
-                  <p:tgtEl>
-                    <p:sldTgt/>
-                  </p:tgtEl>
-                </p:cond>
-              </p:nextCondLst>
-            </p:seq>
-          </p:childTnLst>
-        </p:cTn>
+        <p:cTn id="1" dur="indefinite" restart="never" nodeType="tmRoot"/>
       </p:par>
     </p:tnLst>
   </p:timing>
@@ -8706,131 +7837,6 @@
           </a:p>
         </p:txBody>
       </p:sp>
-      <p:sp>
-        <p:nvSpPr>
-          <p:cNvPr id="3" name="Объект 2"/>
-          <p:cNvSpPr>
-            <a:spLocks noGrp="1"/>
-          </p:cNvSpPr>
-          <p:nvPr>
-            <p:ph sz="quarter" idx="1"/>
-          </p:nvPr>
-        </p:nvSpPr>
-        <p:spPr/>
-        <p:txBody>
-          <a:bodyPr/>
-          <a:lstStyle/>
-          <a:p>
-            <a:pPr marL="0" indent="0">
-              <a:buNone/>
-            </a:pPr>
-            <a:r>
-              <a:rPr lang="ru-RU" dirty="0"/>
-              <a:t>Библиотека позволяет создавать пользовательские отчеты об ошибках нескольких типов:</a:t>
-            </a:r>
-          </a:p>
-          <a:p>
-            <a:pPr lvl="0"/>
-            <a:r>
-              <a:rPr lang="ru-RU" dirty="0"/>
-              <a:t>Сводная таблица данных в виде </a:t>
-            </a:r>
-            <a:r>
-              <a:rPr lang="en-US" dirty="0"/>
-              <a:t>Excel</a:t>
-            </a:r>
-            <a:r>
-              <a:rPr lang="ru-RU" dirty="0"/>
-              <a:t>-файла, которая для каждого столбца исходных данных содержит его различные значения и частоту их встречаемости. Она дает верное представление о содержимом входных данных перед началом их обработки, а также помогает в определении допустимого набора значений для исправления опечаток</a:t>
-            </a:r>
-            <a:r>
-              <a:rPr lang="ru-RU" dirty="0" smtClean="0"/>
-              <a:t>.</a:t>
-            </a:r>
-            <a:endParaRPr lang="ru-RU" dirty="0"/>
-          </a:p>
-        </p:txBody>
-      </p:sp>
-      <p:pic>
-        <p:nvPicPr>
-          <p:cNvPr id="7" name="Рисунок 6"/>
-          <p:cNvPicPr/>
-          <p:nvPr/>
-        </p:nvPicPr>
-        <p:blipFill>
-          <a:blip r:embed="rId2"/>
-          <a:stretch>
-            <a:fillRect/>
-          </a:stretch>
-        </p:blipFill>
-        <p:spPr>
-          <a:xfrm>
-            <a:off x="467544" y="404664"/>
-            <a:ext cx="8136904" cy="5544616"/>
-          </a:xfrm>
-          <a:prstGeom prst="rect">
-            <a:avLst/>
-          </a:prstGeom>
-        </p:spPr>
-      </p:pic>
-      <p:pic>
-        <p:nvPicPr>
-          <p:cNvPr id="1026" name="Picture 2"/>
-          <p:cNvPicPr>
-            <a:picLocks noChangeAspect="1" noChangeArrowheads="1"/>
-          </p:cNvPicPr>
-          <p:nvPr/>
-        </p:nvPicPr>
-        <p:blipFill>
-          <a:blip r:embed="rId3">
-            <a:extLst>
-              <a:ext uri="{28A0092B-C50C-407E-A947-70E740481C1C}">
-                <a14:useLocalDpi xmlns:a14="http://schemas.microsoft.com/office/drawing/2010/main" val="0"/>
-              </a:ext>
-            </a:extLst>
-          </a:blip>
-          <a:srcRect/>
-          <a:stretch>
-            <a:fillRect/>
-          </a:stretch>
-        </p:blipFill>
-        <p:spPr bwMode="auto">
-          <a:xfrm rot="21377013">
-            <a:off x="899592" y="1628798"/>
-            <a:ext cx="6984776" cy="4131421"/>
-          </a:xfrm>
-          <a:prstGeom prst="rect">
-            <a:avLst/>
-          </a:prstGeom>
-          <a:noFill/>
-          <a:ln w="28575">
-            <a:solidFill>
-              <a:schemeClr val="tx1"/>
-            </a:solidFill>
-            <a:miter lim="800000"/>
-            <a:headEnd/>
-            <a:tailEnd/>
-          </a:ln>
-          <a:extLst>
-            <a:ext uri="{909E8E84-426E-40DD-AFC4-6F175D3DCCD1}">
-              <a14:hiddenFill xmlns:a14="http://schemas.microsoft.com/office/drawing/2010/main">
-                <a:solidFill>
-                  <a:schemeClr val="accent1"/>
-                </a:solidFill>
-              </a14:hiddenFill>
-            </a:ext>
-            <a:ext uri="{AF507438-7753-43E0-B8FC-AC1667EBCBE1}">
-              <a14:hiddenEffects xmlns:a14="http://schemas.microsoft.com/office/drawing/2010/main">
-                <a:effectLst>
-                  <a:outerShdw dist="35921" dir="2700000" algn="ctr" rotWithShape="0">
-                    <a:schemeClr val="bg2"/>
-                  </a:outerShdw>
-                </a:effectLst>
-              </a14:hiddenEffects>
-            </a:ext>
-          </a:extLst>
-        </p:spPr>
-      </p:pic>
       <p:sp>
         <p:nvSpPr>
           <p:cNvPr id="4" name="Прямоугольник 3"/>
@@ -8891,6 +7897,182 @@
           </a:p>
         </p:txBody>
       </p:sp>
+      <p:pic>
+        <p:nvPicPr>
+          <p:cNvPr id="5" name="Рисунок 5"/>
+          <p:cNvPicPr>
+            <a:picLocks noChangeAspect="1"/>
+          </p:cNvPicPr>
+          <p:nvPr/>
+        </p:nvPicPr>
+        <p:blipFill>
+          <a:blip r:embed="rId2">
+            <a:extLst>
+              <a:ext uri="{28A0092B-C50C-407E-A947-70E740481C1C}">
+                <a14:useLocalDpi xmlns:a14="http://schemas.microsoft.com/office/drawing/2010/main" val="0"/>
+              </a:ext>
+            </a:extLst>
+          </a:blip>
+          <a:srcRect/>
+          <a:stretch>
+            <a:fillRect/>
+          </a:stretch>
+        </p:blipFill>
+        <p:spPr bwMode="auto">
+          <a:xfrm>
+            <a:off x="725583" y="1597230"/>
+            <a:ext cx="7692834" cy="4831369"/>
+          </a:xfrm>
+          <a:prstGeom prst="rect">
+            <a:avLst/>
+          </a:prstGeom>
+          <a:noFill/>
+          <a:extLst>
+            <a:ext uri="{909E8E84-426E-40DD-AFC4-6F175D3DCCD1}">
+              <a14:hiddenFill xmlns:a14="http://schemas.microsoft.com/office/drawing/2010/main">
+                <a:solidFill>
+                  <a:srgbClr val="FFFFFF"/>
+                </a:solidFill>
+              </a14:hiddenFill>
+            </a:ext>
+          </a:extLst>
+        </p:spPr>
+      </p:pic>
+      <p:sp>
+        <p:nvSpPr>
+          <p:cNvPr id="6" name="Прямоугольник 6"/>
+          <p:cNvSpPr>
+            <a:spLocks noChangeArrowheads="1"/>
+          </p:cNvSpPr>
+          <p:nvPr/>
+        </p:nvSpPr>
+        <p:spPr bwMode="auto">
+          <a:xfrm>
+            <a:off x="539552" y="2348880"/>
+            <a:ext cx="8064896" cy="648072"/>
+          </a:xfrm>
+          <a:prstGeom prst="rect">
+            <a:avLst/>
+          </a:prstGeom>
+          <a:noFill/>
+          <a:ln w="57150">
+            <a:solidFill>
+              <a:srgbClr val="943634"/>
+            </a:solidFill>
+            <a:miter lim="800000"/>
+            <a:headEnd/>
+            <a:tailEnd/>
+          </a:ln>
+          <a:extLst>
+            <a:ext uri="{909E8E84-426E-40DD-AFC4-6F175D3DCCD1}">
+              <a14:hiddenFill xmlns:a14="http://schemas.microsoft.com/office/drawing/2010/main">
+                <a:solidFill>
+                  <a:srgbClr val="FFFFFF"/>
+                </a:solidFill>
+              </a14:hiddenFill>
+            </a:ext>
+          </a:extLst>
+        </p:spPr>
+        <p:txBody>
+          <a:bodyPr vert="horz" wrap="square" lIns="91440" tIns="45720" rIns="91440" bIns="45720" numCol="1" anchor="ctr" anchorCtr="0" compatLnSpc="1">
+            <a:prstTxWarp prst="textNoShape">
+              <a:avLst/>
+            </a:prstTxWarp>
+          </a:bodyPr>
+          <a:lstStyle/>
+          <a:p>
+            <a:pPr marL="0" marR="0" lvl="0" indent="0" algn="ctr" defTabSz="914400" rtl="0" eaLnBrk="1" fontAlgn="base" latinLnBrk="0" hangingPunct="1">
+              <a:lnSpc>
+                <a:spcPct val="100000"/>
+              </a:lnSpc>
+              <a:spcBef>
+                <a:spcPct val="0"/>
+              </a:spcBef>
+              <a:spcAft>
+                <a:spcPct val="0"/>
+              </a:spcAft>
+              <a:buClrTx/>
+              <a:buSzTx/>
+              <a:buFontTx/>
+              <a:buNone/>
+              <a:tabLst/>
+            </a:pPr>
+            <a:endParaRPr kumimoji="0" lang="ru-RU" altLang="ru-RU" sz="1800" b="0" i="0" u="none" strike="noStrike" cap="none" normalizeH="0" baseline="0" smtClean="0">
+              <a:ln>
+                <a:noFill/>
+              </a:ln>
+              <a:solidFill>
+                <a:schemeClr val="tx1"/>
+              </a:solidFill>
+              <a:effectLst/>
+              <a:latin typeface="Arial" pitchFamily="34" charset="0"/>
+              <a:cs typeface="Arial" pitchFamily="34" charset="0"/>
+            </a:endParaRPr>
+          </a:p>
+        </p:txBody>
+      </p:sp>
+      <p:graphicFrame>
+        <p:nvGraphicFramePr>
+          <p:cNvPr id="9" name="Диаграмма 8"/>
+          <p:cNvGraphicFramePr/>
+          <p:nvPr>
+            <p:extLst>
+              <p:ext uri="{D42A27DB-BD31-4B8C-83A1-F6EECF244321}">
+                <p14:modId xmlns:p14="http://schemas.microsoft.com/office/powerpoint/2010/main" val="2760053171"/>
+              </p:ext>
+            </p:extLst>
+          </p:nvPr>
+        </p:nvGraphicFramePr>
+        <p:xfrm>
+          <a:off x="2915816" y="3212977"/>
+          <a:ext cx="3816424" cy="2404948"/>
+        </p:xfrm>
+        <a:graphic>
+          <a:graphicData uri="http://schemas.openxmlformats.org/drawingml/2006/chart">
+            <c:chart xmlns:c="http://schemas.openxmlformats.org/drawingml/2006/chart" xmlns:r="http://schemas.openxmlformats.org/officeDocument/2006/relationships" r:id="rId3"/>
+          </a:graphicData>
+        </a:graphic>
+      </p:graphicFrame>
+      <p:sp>
+        <p:nvSpPr>
+          <p:cNvPr id="3" name="Объект 2"/>
+          <p:cNvSpPr>
+            <a:spLocks noGrp="1"/>
+          </p:cNvSpPr>
+          <p:nvPr>
+            <p:ph sz="quarter" idx="1"/>
+          </p:nvPr>
+        </p:nvSpPr>
+        <p:spPr/>
+        <p:txBody>
+          <a:bodyPr/>
+          <a:lstStyle/>
+          <a:p>
+            <a:pPr marL="0" indent="0">
+              <a:buNone/>
+            </a:pPr>
+            <a:r>
+              <a:rPr lang="ru-RU" dirty="0"/>
+              <a:t>Библиотека позволяет создавать пользовательские отчеты об ошибках нескольких типов:</a:t>
+            </a:r>
+          </a:p>
+          <a:p>
+            <a:pPr lvl="0"/>
+            <a:r>
+              <a:rPr lang="ru-RU" dirty="0"/>
+              <a:t>Сводная таблица данных в виде </a:t>
+            </a:r>
+            <a:r>
+              <a:rPr lang="en-US" dirty="0"/>
+              <a:t>Excel</a:t>
+            </a:r>
+            <a:r>
+              <a:rPr lang="ru-RU" dirty="0"/>
+              <a:t>-файла, которая содержит различные значения каждого столбца входных данных и частоту встречаемости этих значений. Она дает верное представление о содержимом входных данных перед началом их обработки, а также помогает в определении допустимого набора значений для исправления опечаток.</a:t>
+            </a:r>
+          </a:p>
+        </p:txBody>
+      </p:sp>
     </p:spTree>
     <p:extLst>
       <p:ext uri="{BB962C8B-B14F-4D97-AF65-F5344CB8AC3E}">
@@ -8916,6 +8098,9 @@
                     <p:cTn id="3" fill="hold">
                       <p:stCondLst>
                         <p:cond delay="indefinite"/>
+                        <p:cond evt="onBegin" delay="0">
+                          <p:tn val="2"/>
+                        </p:cond>
                       </p:stCondLst>
                       <p:childTnLst>
                         <p:par>
@@ -8925,7 +8110,7 @@
                             </p:stCondLst>
                             <p:childTnLst>
                               <p:par>
-                                <p:cTn id="5" presetID="2" presetClass="entr" presetSubtype="4" fill="hold" nodeType="clickEffect">
+                                <p:cTn id="5" presetID="10" presetClass="entr" presetSubtype="0" fill="hold" grpId="0" nodeType="withEffect">
                                   <p:stCondLst>
                                     <p:cond delay="0"/>
                                   </p:stCondLst>
@@ -8933,197 +8118,6 @@
                                     <p:set>
                                       <p:cBhvr>
                                         <p:cTn id="6" dur="1" fill="hold">
-                                          <p:stCondLst>
-                                            <p:cond delay="0"/>
-                                          </p:stCondLst>
-                                        </p:cTn>
-                                        <p:tgtEl>
-                                          <p:spTgt spid="3">
-                                            <p:txEl>
-                                              <p:pRg st="1" end="1"/>
-                                            </p:txEl>
-                                          </p:spTgt>
-                                        </p:tgtEl>
-                                        <p:attrNameLst>
-                                          <p:attrName>style.visibility</p:attrName>
-                                        </p:attrNameLst>
-                                      </p:cBhvr>
-                                      <p:to>
-                                        <p:strVal val="visible"/>
-                                      </p:to>
-                                    </p:set>
-                                    <p:anim calcmode="lin" valueType="num">
-                                      <p:cBhvr additive="base">
-                                        <p:cTn id="7" dur="500" fill="hold"/>
-                                        <p:tgtEl>
-                                          <p:spTgt spid="3">
-                                            <p:txEl>
-                                              <p:pRg st="1" end="1"/>
-                                            </p:txEl>
-                                          </p:spTgt>
-                                        </p:tgtEl>
-                                        <p:attrNameLst>
-                                          <p:attrName>ppt_x</p:attrName>
-                                        </p:attrNameLst>
-                                      </p:cBhvr>
-                                      <p:tavLst>
-                                        <p:tav tm="0">
-                                          <p:val>
-                                            <p:strVal val="#ppt_x"/>
-                                          </p:val>
-                                        </p:tav>
-                                        <p:tav tm="100000">
-                                          <p:val>
-                                            <p:strVal val="#ppt_x"/>
-                                          </p:val>
-                                        </p:tav>
-                                      </p:tavLst>
-                                    </p:anim>
-                                    <p:anim calcmode="lin" valueType="num">
-                                      <p:cBhvr additive="base">
-                                        <p:cTn id="8" dur="500" fill="hold"/>
-                                        <p:tgtEl>
-                                          <p:spTgt spid="3">
-                                            <p:txEl>
-                                              <p:pRg st="1" end="1"/>
-                                            </p:txEl>
-                                          </p:spTgt>
-                                        </p:tgtEl>
-                                        <p:attrNameLst>
-                                          <p:attrName>ppt_y</p:attrName>
-                                        </p:attrNameLst>
-                                      </p:cBhvr>
-                                      <p:tavLst>
-                                        <p:tav tm="0">
-                                          <p:val>
-                                            <p:strVal val="1+#ppt_h/2"/>
-                                          </p:val>
-                                        </p:tav>
-                                        <p:tav tm="100000">
-                                          <p:val>
-                                            <p:strVal val="#ppt_y"/>
-                                          </p:val>
-                                        </p:tav>
-                                      </p:tavLst>
-                                    </p:anim>
-                                  </p:childTnLst>
-                                </p:cTn>
-                              </p:par>
-                            </p:childTnLst>
-                          </p:cTn>
-                        </p:par>
-                      </p:childTnLst>
-                    </p:cTn>
-                  </p:par>
-                  <p:par>
-                    <p:cTn id="9" fill="hold">
-                      <p:stCondLst>
-                        <p:cond delay="indefinite"/>
-                      </p:stCondLst>
-                      <p:childTnLst>
-                        <p:par>
-                          <p:cTn id="10" fill="hold">
-                            <p:stCondLst>
-                              <p:cond delay="0"/>
-                            </p:stCondLst>
-                            <p:childTnLst>
-                              <p:par>
-                                <p:cTn id="11" presetID="10" presetClass="entr" presetSubtype="0" fill="hold" nodeType="clickEffect">
-                                  <p:stCondLst>
-                                    <p:cond delay="0"/>
-                                  </p:stCondLst>
-                                  <p:childTnLst>
-                                    <p:set>
-                                      <p:cBhvr>
-                                        <p:cTn id="12" dur="1" fill="hold">
-                                          <p:stCondLst>
-                                            <p:cond delay="0"/>
-                                          </p:stCondLst>
-                                        </p:cTn>
-                                        <p:tgtEl>
-                                          <p:spTgt spid="7"/>
-                                        </p:tgtEl>
-                                        <p:attrNameLst>
-                                          <p:attrName>style.visibility</p:attrName>
-                                        </p:attrNameLst>
-                                      </p:cBhvr>
-                                      <p:to>
-                                        <p:strVal val="visible"/>
-                                      </p:to>
-                                    </p:set>
-                                    <p:animEffect transition="in" filter="fade">
-                                      <p:cBhvr>
-                                        <p:cTn id="13" dur="500"/>
-                                        <p:tgtEl>
-                                          <p:spTgt spid="7"/>
-                                        </p:tgtEl>
-                                      </p:cBhvr>
-                                    </p:animEffect>
-                                  </p:childTnLst>
-                                </p:cTn>
-                              </p:par>
-                            </p:childTnLst>
-                          </p:cTn>
-                        </p:par>
-                      </p:childTnLst>
-                    </p:cTn>
-                  </p:par>
-                  <p:par>
-                    <p:cTn id="14" fill="hold">
-                      <p:stCondLst>
-                        <p:cond delay="indefinite"/>
-                      </p:stCondLst>
-                      <p:childTnLst>
-                        <p:par>
-                          <p:cTn id="15" fill="hold">
-                            <p:stCondLst>
-                              <p:cond delay="0"/>
-                            </p:stCondLst>
-                            <p:childTnLst>
-                              <p:par>
-                                <p:cTn id="16" presetID="10" presetClass="entr" presetSubtype="0" fill="hold" nodeType="clickEffect">
-                                  <p:stCondLst>
-                                    <p:cond delay="0"/>
-                                  </p:stCondLst>
-                                  <p:childTnLst>
-                                    <p:set>
-                                      <p:cBhvr>
-                                        <p:cTn id="17" dur="1" fill="hold">
-                                          <p:stCondLst>
-                                            <p:cond delay="0"/>
-                                          </p:stCondLst>
-                                        </p:cTn>
-                                        <p:tgtEl>
-                                          <p:spTgt spid="1026"/>
-                                        </p:tgtEl>
-                                        <p:attrNameLst>
-                                          <p:attrName>style.visibility</p:attrName>
-                                        </p:attrNameLst>
-                                      </p:cBhvr>
-                                      <p:to>
-                                        <p:strVal val="visible"/>
-                                      </p:to>
-                                    </p:set>
-                                    <p:animEffect transition="in" filter="fade">
-                                      <p:cBhvr>
-                                        <p:cTn id="18" dur="500"/>
-                                        <p:tgtEl>
-                                          <p:spTgt spid="1026"/>
-                                        </p:tgtEl>
-                                      </p:cBhvr>
-                                    </p:animEffect>
-                                  </p:childTnLst>
-                                </p:cTn>
-                              </p:par>
-                              <p:par>
-                                <p:cTn id="19" presetID="10" presetClass="entr" presetSubtype="0" fill="hold" grpId="0" nodeType="withEffect">
-                                  <p:stCondLst>
-                                    <p:cond delay="0"/>
-                                  </p:stCondLst>
-                                  <p:childTnLst>
-                                    <p:set>
-                                      <p:cBhvr>
-                                        <p:cTn id="20" dur="1" fill="hold">
                                           <p:stCondLst>
                                             <p:cond delay="0"/>
                                           </p:stCondLst>
@@ -9141,7 +8135,7 @@
                                     </p:set>
                                     <p:animEffect transition="in" filter="fade">
                                       <p:cBhvr>
-                                        <p:cTn id="21" dur="500"/>
+                                        <p:cTn id="7" dur="500"/>
                                         <p:tgtEl>
                                           <p:spTgt spid="4"/>
                                         </p:tgtEl>
@@ -10240,377 +9234,6 @@
             <p:ph type="title"/>
           </p:nvPr>
         </p:nvSpPr>
-        <p:spPr/>
-        <p:txBody>
-          <a:bodyPr>
-            <a:normAutofit/>
-          </a:bodyPr>
-          <a:lstStyle/>
-          <a:p>
-            <a:pPr marL="0" indent="0" algn="ctr"/>
-            <a:r>
-              <a:rPr lang="ru-RU" sz="4000" i="1" dirty="0" smtClean="0">
-                <a:solidFill>
-                  <a:srgbClr val="800000"/>
-                </a:solidFill>
-                <a:latin typeface="+mn-lt"/>
-              </a:rPr>
-              <a:t>Постановка проблемы</a:t>
-            </a:r>
-            <a:endParaRPr lang="ru-RU" sz="4000" i="1" dirty="0">
-              <a:solidFill>
-                <a:srgbClr val="800000"/>
-              </a:solidFill>
-              <a:latin typeface="+mn-lt"/>
-            </a:endParaRPr>
-          </a:p>
-        </p:txBody>
-      </p:sp>
-      <p:sp>
-        <p:nvSpPr>
-          <p:cNvPr id="3" name="Содержимое 2"/>
-          <p:cNvSpPr>
-            <a:spLocks noGrp="1"/>
-          </p:cNvSpPr>
-          <p:nvPr>
-            <p:ph sz="quarter" idx="1"/>
-          </p:nvPr>
-        </p:nvSpPr>
-        <p:spPr>
-          <a:xfrm>
-            <a:off x="539552" y="1484784"/>
-            <a:ext cx="8153400" cy="4495800"/>
-          </a:xfrm>
-        </p:spPr>
-        <p:txBody>
-          <a:bodyPr>
-            <a:noAutofit/>
-          </a:bodyPr>
-          <a:lstStyle/>
-          <a:p>
-            <a:r>
-              <a:rPr lang="ru-RU" dirty="0" smtClean="0"/>
-              <a:t>На </a:t>
-            </a:r>
-            <a:r>
-              <a:rPr lang="ru-RU" dirty="0"/>
-              <a:t>данный момент </a:t>
-            </a:r>
-            <a:r>
-              <a:rPr lang="ru-RU" dirty="0" err="1" smtClean="0"/>
-              <a:t>биостатистики</a:t>
-            </a:r>
-            <a:r>
-              <a:rPr lang="ru-RU" dirty="0" smtClean="0"/>
-              <a:t> выполняют процедуры поиска ошибок во входных данных </a:t>
-            </a:r>
-            <a:r>
-              <a:rPr lang="ru-RU" dirty="0"/>
-              <a:t>в </a:t>
-            </a:r>
-            <a:r>
-              <a:rPr lang="ru-RU" b="1" i="1" dirty="0"/>
-              <a:t>ручном режиме</a:t>
-            </a:r>
-            <a:r>
-              <a:rPr lang="ru-RU" dirty="0" smtClean="0"/>
-              <a:t>.</a:t>
-            </a:r>
-          </a:p>
-          <a:p>
-            <a:endParaRPr lang="ru-RU" dirty="0" smtClean="0"/>
-          </a:p>
-          <a:p>
-            <a:r>
-              <a:rPr lang="ru-RU" dirty="0" smtClean="0"/>
-              <a:t>Поиск вручную является </a:t>
-            </a:r>
-            <a:r>
-              <a:rPr lang="ru-RU" dirty="0"/>
-              <a:t>неэффективным из-за </a:t>
-            </a:r>
-            <a:r>
-              <a:rPr lang="ru-RU" dirty="0" smtClean="0"/>
-              <a:t>человеческой невнимательности. </a:t>
-            </a:r>
-          </a:p>
-          <a:p>
-            <a:endParaRPr lang="ru-RU" dirty="0" smtClean="0"/>
-          </a:p>
-          <a:p>
-            <a:r>
-              <a:rPr lang="ru-RU" dirty="0" smtClean="0"/>
-              <a:t>При </a:t>
-            </a:r>
-            <a:r>
-              <a:rPr lang="ru-RU" dirty="0"/>
-              <a:t>таком подходе </a:t>
-            </a:r>
-            <a:r>
-              <a:rPr lang="ru-RU" dirty="0" smtClean="0"/>
-              <a:t>невозможно </a:t>
-            </a:r>
-            <a:r>
-              <a:rPr lang="ru-RU" dirty="0"/>
-              <a:t>обработать большой объем данных за разумное время.</a:t>
-            </a:r>
-          </a:p>
-          <a:p>
-            <a:endParaRPr lang="ru-RU" dirty="0"/>
-          </a:p>
-        </p:txBody>
-      </p:sp>
-    </p:spTree>
-  </p:cSld>
-  <p:clrMapOvr>
-    <a:masterClrMapping/>
-  </p:clrMapOvr>
-  <p:transition>
-    <p:fade/>
-  </p:transition>
-  <p:timing>
-    <p:tnLst>
-      <p:par>
-        <p:cTn id="1" dur="indefinite" restart="never" nodeType="tmRoot">
-          <p:childTnLst>
-            <p:seq concurrent="1" nextAc="seek">
-              <p:cTn id="2" dur="indefinite" nodeType="mainSeq">
-                <p:childTnLst>
-                  <p:par>
-                    <p:cTn id="3" fill="hold">
-                      <p:stCondLst>
-                        <p:cond delay="indefinite"/>
-                      </p:stCondLst>
-                      <p:childTnLst>
-                        <p:par>
-                          <p:cTn id="4" fill="hold">
-                            <p:stCondLst>
-                              <p:cond delay="0"/>
-                            </p:stCondLst>
-                            <p:childTnLst>
-                              <p:par>
-                                <p:cTn id="5" presetID="10" presetClass="entr" presetSubtype="0" fill="hold" nodeType="clickEffect">
-                                  <p:stCondLst>
-                                    <p:cond delay="0"/>
-                                  </p:stCondLst>
-                                  <p:childTnLst>
-                                    <p:set>
-                                      <p:cBhvr>
-                                        <p:cTn id="6" dur="1" fill="hold">
-                                          <p:stCondLst>
-                                            <p:cond delay="0"/>
-                                          </p:stCondLst>
-                                        </p:cTn>
-                                        <p:tgtEl>
-                                          <p:spTgt spid="3">
-                                            <p:txEl>
-                                              <p:pRg st="0" end="0"/>
-                                            </p:txEl>
-                                          </p:spTgt>
-                                        </p:tgtEl>
-                                        <p:attrNameLst>
-                                          <p:attrName>style.visibility</p:attrName>
-                                        </p:attrNameLst>
-                                      </p:cBhvr>
-                                      <p:to>
-                                        <p:strVal val="visible"/>
-                                      </p:to>
-                                    </p:set>
-                                    <p:animEffect transition="in" filter="fade">
-                                      <p:cBhvr>
-                                        <p:cTn id="7" dur="500"/>
-                                        <p:tgtEl>
-                                          <p:spTgt spid="3">
-                                            <p:txEl>
-                                              <p:pRg st="0" end="0"/>
-                                            </p:txEl>
-                                          </p:spTgt>
-                                        </p:tgtEl>
-                                      </p:cBhvr>
-                                    </p:animEffect>
-                                  </p:childTnLst>
-                                </p:cTn>
-                              </p:par>
-                            </p:childTnLst>
-                          </p:cTn>
-                        </p:par>
-                      </p:childTnLst>
-                    </p:cTn>
-                  </p:par>
-                  <p:par>
-                    <p:cTn id="8" fill="hold">
-                      <p:stCondLst>
-                        <p:cond delay="indefinite"/>
-                      </p:stCondLst>
-                      <p:childTnLst>
-                        <p:par>
-                          <p:cTn id="9" fill="hold">
-                            <p:stCondLst>
-                              <p:cond delay="0"/>
-                            </p:stCondLst>
-                            <p:childTnLst>
-                              <p:par>
-                                <p:cTn id="10" presetID="10" presetClass="entr" presetSubtype="0" fill="hold" nodeType="clickEffect">
-                                  <p:stCondLst>
-                                    <p:cond delay="0"/>
-                                  </p:stCondLst>
-                                  <p:childTnLst>
-                                    <p:set>
-                                      <p:cBhvr>
-                                        <p:cTn id="11" dur="1" fill="hold">
-                                          <p:stCondLst>
-                                            <p:cond delay="0"/>
-                                          </p:stCondLst>
-                                        </p:cTn>
-                                        <p:tgtEl>
-                                          <p:spTgt spid="3">
-                                            <p:txEl>
-                                              <p:pRg st="2" end="2"/>
-                                            </p:txEl>
-                                          </p:spTgt>
-                                        </p:tgtEl>
-                                        <p:attrNameLst>
-                                          <p:attrName>style.visibility</p:attrName>
-                                        </p:attrNameLst>
-                                      </p:cBhvr>
-                                      <p:to>
-                                        <p:strVal val="visible"/>
-                                      </p:to>
-                                    </p:set>
-                                    <p:animEffect transition="in" filter="fade">
-                                      <p:cBhvr>
-                                        <p:cTn id="12" dur="500"/>
-                                        <p:tgtEl>
-                                          <p:spTgt spid="3">
-                                            <p:txEl>
-                                              <p:pRg st="2" end="2"/>
-                                            </p:txEl>
-                                          </p:spTgt>
-                                        </p:tgtEl>
-                                      </p:cBhvr>
-                                    </p:animEffect>
-                                  </p:childTnLst>
-                                </p:cTn>
-                              </p:par>
-                            </p:childTnLst>
-                          </p:cTn>
-                        </p:par>
-                      </p:childTnLst>
-                    </p:cTn>
-                  </p:par>
-                  <p:par>
-                    <p:cTn id="13" fill="hold">
-                      <p:stCondLst>
-                        <p:cond delay="indefinite"/>
-                      </p:stCondLst>
-                      <p:childTnLst>
-                        <p:par>
-                          <p:cTn id="14" fill="hold">
-                            <p:stCondLst>
-                              <p:cond delay="0"/>
-                            </p:stCondLst>
-                            <p:childTnLst>
-                              <p:par>
-                                <p:cTn id="15" presetID="10" presetClass="entr" presetSubtype="0" fill="hold" nodeType="clickEffect">
-                                  <p:stCondLst>
-                                    <p:cond delay="0"/>
-                                  </p:stCondLst>
-                                  <p:childTnLst>
-                                    <p:set>
-                                      <p:cBhvr>
-                                        <p:cTn id="16" dur="1" fill="hold">
-                                          <p:stCondLst>
-                                            <p:cond delay="0"/>
-                                          </p:stCondLst>
-                                        </p:cTn>
-                                        <p:tgtEl>
-                                          <p:spTgt spid="3">
-                                            <p:txEl>
-                                              <p:pRg st="4" end="4"/>
-                                            </p:txEl>
-                                          </p:spTgt>
-                                        </p:tgtEl>
-                                        <p:attrNameLst>
-                                          <p:attrName>style.visibility</p:attrName>
-                                        </p:attrNameLst>
-                                      </p:cBhvr>
-                                      <p:to>
-                                        <p:strVal val="visible"/>
-                                      </p:to>
-                                    </p:set>
-                                    <p:animEffect transition="in" filter="fade">
-                                      <p:cBhvr>
-                                        <p:cTn id="17" dur="500"/>
-                                        <p:tgtEl>
-                                          <p:spTgt spid="3">
-                                            <p:txEl>
-                                              <p:pRg st="4" end="4"/>
-                                            </p:txEl>
-                                          </p:spTgt>
-                                        </p:tgtEl>
-                                      </p:cBhvr>
-                                    </p:animEffect>
-                                  </p:childTnLst>
-                                </p:cTn>
-                              </p:par>
-                            </p:childTnLst>
-                          </p:cTn>
-                        </p:par>
-                      </p:childTnLst>
-                    </p:cTn>
-                  </p:par>
-                </p:childTnLst>
-              </p:cTn>
-              <p:prevCondLst>
-                <p:cond evt="onPrev" delay="0">
-                  <p:tgtEl>
-                    <p:sldTgt/>
-                  </p:tgtEl>
-                </p:cond>
-              </p:prevCondLst>
-              <p:nextCondLst>
-                <p:cond evt="onNext" delay="0">
-                  <p:tgtEl>
-                    <p:sldTgt/>
-                  </p:tgtEl>
-                </p:cond>
-              </p:nextCondLst>
-            </p:seq>
-          </p:childTnLst>
-        </p:cTn>
-      </p:par>
-    </p:tnLst>
-  </p:timing>
-</p:sld>
-</file>
-
-<file path=ppt/slides/slide4.xml><?xml version="1.0" encoding="utf-8"?>
-<p:sld xmlns:a="http://schemas.openxmlformats.org/drawingml/2006/main" xmlns:r="http://schemas.openxmlformats.org/officeDocument/2006/relationships" xmlns:p="http://schemas.openxmlformats.org/presentationml/2006/main">
-  <p:cSld>
-    <p:spTree>
-      <p:nvGrpSpPr>
-        <p:cNvPr id="1" name=""/>
-        <p:cNvGrpSpPr/>
-        <p:nvPr/>
-      </p:nvGrpSpPr>
-      <p:grpSpPr>
-        <a:xfrm>
-          <a:off x="0" y="0"/>
-          <a:ext cx="0" cy="0"/>
-          <a:chOff x="0" y="0"/>
-          <a:chExt cx="0" cy="0"/>
-        </a:xfrm>
-      </p:grpSpPr>
-      <p:sp>
-        <p:nvSpPr>
-          <p:cNvPr id="2" name="Заголовок 1"/>
-          <p:cNvSpPr>
-            <a:spLocks noGrp="1"/>
-          </p:cNvSpPr>
-          <p:nvPr>
-            <p:ph type="title"/>
-          </p:nvPr>
-        </p:nvSpPr>
         <p:spPr>
           <a:xfrm>
             <a:off x="179512" y="152400"/>
@@ -10639,113 +9262,6 @@
               </a:solidFill>
               <a:latin typeface="+mn-lt"/>
             </a:endParaRPr>
-          </a:p>
-        </p:txBody>
-      </p:sp>
-      <p:sp>
-        <p:nvSpPr>
-          <p:cNvPr id="3" name="Объект 2"/>
-          <p:cNvSpPr>
-            <a:spLocks noGrp="1"/>
-          </p:cNvSpPr>
-          <p:nvPr>
-            <p:ph sz="quarter" idx="1"/>
-          </p:nvPr>
-        </p:nvSpPr>
-        <p:spPr>
-          <a:xfrm>
-            <a:off x="467544" y="1412776"/>
-            <a:ext cx="8229600" cy="5032216"/>
-          </a:xfrm>
-        </p:spPr>
-        <p:txBody>
-          <a:bodyPr>
-            <a:normAutofit/>
-          </a:bodyPr>
-          <a:lstStyle/>
-          <a:p>
-            <a:r>
-              <a:rPr lang="ru-RU" dirty="0" smtClean="0"/>
-              <a:t>Опечатки </a:t>
-            </a:r>
-            <a:r>
-              <a:rPr lang="ru-RU" dirty="0"/>
-              <a:t>и пропуски отдельных значений в данных исследований являются постоянной проблемой</a:t>
-            </a:r>
-            <a:r>
-              <a:rPr lang="ru-RU" dirty="0" smtClean="0"/>
-              <a:t>.</a:t>
-            </a:r>
-          </a:p>
-          <a:p>
-            <a:r>
-              <a:rPr lang="ru-RU" dirty="0" smtClean="0"/>
-              <a:t>Другой </a:t>
-            </a:r>
-            <a:r>
-              <a:rPr lang="ru-RU" dirty="0"/>
-              <a:t>важной </a:t>
-            </a:r>
-            <a:r>
-              <a:rPr lang="ru-RU" dirty="0" smtClean="0"/>
-              <a:t>проблемой, является </a:t>
-            </a:r>
-            <a:r>
-              <a:rPr lang="ru-RU" dirty="0"/>
-              <a:t>наличие выбросов</a:t>
-            </a:r>
-            <a:r>
-              <a:rPr lang="ru-RU" dirty="0" smtClean="0"/>
-              <a:t>.</a:t>
-            </a:r>
-          </a:p>
-          <a:p>
-            <a:r>
-              <a:rPr lang="ru-RU" dirty="0" smtClean="0"/>
-              <a:t>Нарушение </a:t>
-            </a:r>
-            <a:r>
-              <a:rPr lang="ru-RU" dirty="0"/>
-              <a:t>нормальности распределения данных влияет на выбор статистического </a:t>
-            </a:r>
-            <a:r>
-              <a:rPr lang="ru-RU" dirty="0" smtClean="0"/>
-              <a:t>метода.</a:t>
-            </a:r>
-          </a:p>
-          <a:p>
-            <a:r>
-              <a:rPr lang="ru-RU" dirty="0" smtClean="0"/>
-              <a:t>Неупорядоченность дат</a:t>
-            </a:r>
-            <a:endParaRPr lang="ru-RU" dirty="0"/>
-          </a:p>
-          <a:p>
-            <a:endParaRPr lang="ru-RU" dirty="0"/>
-          </a:p>
-          <a:p>
-            <a:r>
-              <a:rPr lang="ru-RU" u="sng" dirty="0"/>
-              <a:t>Решение: </a:t>
-            </a:r>
-            <a:r>
-              <a:rPr lang="ru-RU" dirty="0"/>
-              <a:t> Проверка начальных данных </a:t>
-            </a:r>
-            <a:r>
-              <a:rPr lang="ru-RU" dirty="0" smtClean="0"/>
-              <a:t>перед </a:t>
-            </a:r>
-            <a:r>
-              <a:rPr lang="ru-RU" dirty="0"/>
-              <a:t>проведением статистического анализа.</a:t>
-            </a:r>
-          </a:p>
-          <a:p>
-            <a:endParaRPr lang="ru-RU" dirty="0"/>
-          </a:p>
-          <a:p>
-            <a:endParaRPr lang="en-US" dirty="0" smtClean="0"/>
           </a:p>
         </p:txBody>
       </p:sp>
@@ -10998,6 +9514,146 @@
           <a:p>
             <a:pPr algn="ctr"/>
             <a:endParaRPr lang="ru-RU"/>
+          </a:p>
+        </p:txBody>
+      </p:sp>
+      <p:sp>
+        <p:nvSpPr>
+          <p:cNvPr id="3" name="Объект 2"/>
+          <p:cNvSpPr>
+            <a:spLocks noGrp="1"/>
+          </p:cNvSpPr>
+          <p:nvPr>
+            <p:ph sz="quarter" idx="1"/>
+          </p:nvPr>
+        </p:nvSpPr>
+        <p:spPr>
+          <a:xfrm>
+            <a:off x="467544" y="1412776"/>
+            <a:ext cx="8229600" cy="5032216"/>
+          </a:xfrm>
+        </p:spPr>
+        <p:txBody>
+          <a:bodyPr>
+            <a:normAutofit/>
+          </a:bodyPr>
+          <a:lstStyle/>
+          <a:p>
+            <a:r>
+              <a:rPr lang="ru-RU" dirty="0" smtClean="0"/>
+              <a:t>Опечатки </a:t>
+            </a:r>
+            <a:r>
+              <a:rPr lang="ru-RU" dirty="0"/>
+              <a:t>и пропуски отдельных значений в данных исследований являются постоянной </a:t>
+            </a:r>
+            <a:r>
+              <a:rPr lang="ru-RU" dirty="0" smtClean="0"/>
+              <a:t>проблемой </a:t>
+            </a:r>
+            <a:r>
+              <a:rPr lang="ru-RU" dirty="0"/>
+              <a:t>статистического анализа</a:t>
+            </a:r>
+            <a:r>
+              <a:rPr lang="ru-RU" dirty="0" smtClean="0"/>
+              <a:t>.</a:t>
+            </a:r>
+            <a:endParaRPr lang="ru-RU" dirty="0" smtClean="0"/>
+          </a:p>
+          <a:p>
+            <a:r>
+              <a:rPr lang="ru-RU" dirty="0" smtClean="0"/>
+              <a:t>Другой </a:t>
+            </a:r>
+            <a:r>
+              <a:rPr lang="ru-RU" dirty="0"/>
+              <a:t>важной </a:t>
+            </a:r>
+            <a:r>
+              <a:rPr lang="ru-RU" dirty="0" smtClean="0"/>
+              <a:t>проблемой </a:t>
+            </a:r>
+            <a:r>
+              <a:rPr lang="ru-RU" dirty="0"/>
+              <a:t>анализа </a:t>
+            </a:r>
+            <a:r>
+              <a:rPr lang="ru-RU" dirty="0" smtClean="0"/>
+              <a:t>данных </a:t>
+            </a:r>
+            <a:r>
+              <a:rPr lang="ru-RU" dirty="0" smtClean="0"/>
+              <a:t>является </a:t>
+            </a:r>
+            <a:r>
+              <a:rPr lang="ru-RU" dirty="0"/>
+              <a:t>наличие выбросов</a:t>
+            </a:r>
+            <a:r>
+              <a:rPr lang="ru-RU" dirty="0" smtClean="0"/>
+              <a:t>.</a:t>
+            </a:r>
+          </a:p>
+          <a:p>
+            <a:r>
+              <a:rPr lang="ru-RU" dirty="0" smtClean="0"/>
+              <a:t>Нарушение </a:t>
+            </a:r>
+            <a:r>
+              <a:rPr lang="ru-RU" dirty="0"/>
+              <a:t>нормальности распределения данных влияет на выбор статистического </a:t>
+            </a:r>
+            <a:r>
+              <a:rPr lang="ru-RU" dirty="0" smtClean="0"/>
+              <a:t>метода.</a:t>
+            </a:r>
+          </a:p>
+          <a:p>
+            <a:r>
+              <a:rPr lang="ru-RU" dirty="0" smtClean="0"/>
+              <a:t>Неупорядоченность </a:t>
+            </a:r>
+            <a:r>
+              <a:rPr lang="ru-RU" dirty="0" smtClean="0"/>
+              <a:t>дат вносит путаницу в …</a:t>
+            </a:r>
+            <a:endParaRPr lang="ru-RU" dirty="0"/>
+          </a:p>
+          <a:p>
+            <a:endParaRPr lang="ru-RU" dirty="0"/>
+          </a:p>
+          <a:p>
+            <a:r>
+              <a:rPr lang="ru-RU" u="sng" dirty="0"/>
+              <a:t>Решение: </a:t>
+            </a:r>
+            <a:r>
+              <a:rPr lang="ru-RU" dirty="0"/>
+              <a:t> Проверка </a:t>
+            </a:r>
+            <a:r>
+              <a:rPr lang="ru-RU" dirty="0" smtClean="0"/>
+              <a:t>входных </a:t>
+            </a:r>
+            <a:r>
+              <a:rPr lang="ru-RU" dirty="0"/>
+              <a:t>данных </a:t>
+            </a:r>
+            <a:r>
+              <a:rPr lang="ru-RU" dirty="0" smtClean="0"/>
+              <a:t>перед </a:t>
+            </a:r>
+            <a:r>
+              <a:rPr lang="ru-RU" dirty="0"/>
+              <a:t>проведением статистического анализа.</a:t>
+            </a:r>
+          </a:p>
+          <a:p>
+            <a:endParaRPr lang="ru-RU" dirty="0"/>
+          </a:p>
+          <a:p>
+            <a:endParaRPr lang="en-US" dirty="0" smtClean="0"/>
           </a:p>
         </p:txBody>
       </p:sp>
@@ -11743,12 +10399,383 @@
       </p:par>
     </p:tnLst>
     <p:bldLst>
-      <p:bldP spid="3" grpId="0" uiExpand="1" build="p"/>
       <p:bldP spid="6" grpId="0" animBg="1"/>
       <p:bldP spid="7" grpId="0" animBg="1"/>
       <p:bldP spid="8" grpId="0" animBg="1"/>
       <p:bldP spid="9" grpId="0" animBg="1"/>
+      <p:bldP spid="3" grpId="0" uiExpand="1" build="p"/>
     </p:bldLst>
+  </p:timing>
+</p:sld>
+</file>
+
+<file path=ppt/slides/slide4.xml><?xml version="1.0" encoding="utf-8"?>
+<p:sld xmlns:a="http://schemas.openxmlformats.org/drawingml/2006/main" xmlns:r="http://schemas.openxmlformats.org/officeDocument/2006/relationships" xmlns:p="http://schemas.openxmlformats.org/presentationml/2006/main">
+  <p:cSld>
+    <p:spTree>
+      <p:nvGrpSpPr>
+        <p:cNvPr id="1" name=""/>
+        <p:cNvGrpSpPr/>
+        <p:nvPr/>
+      </p:nvGrpSpPr>
+      <p:grpSpPr>
+        <a:xfrm>
+          <a:off x="0" y="0"/>
+          <a:ext cx="0" cy="0"/>
+          <a:chOff x="0" y="0"/>
+          <a:chExt cx="0" cy="0"/>
+        </a:xfrm>
+      </p:grpSpPr>
+      <p:sp>
+        <p:nvSpPr>
+          <p:cNvPr id="2" name="Заголовок 1"/>
+          <p:cNvSpPr>
+            <a:spLocks noGrp="1"/>
+          </p:cNvSpPr>
+          <p:nvPr>
+            <p:ph type="title"/>
+          </p:nvPr>
+        </p:nvSpPr>
+        <p:spPr/>
+        <p:txBody>
+          <a:bodyPr>
+            <a:normAutofit/>
+          </a:bodyPr>
+          <a:lstStyle/>
+          <a:p>
+            <a:pPr marL="0" indent="0" algn="ctr"/>
+            <a:r>
+              <a:rPr lang="ru-RU" sz="4000" i="1" dirty="0" smtClean="0">
+                <a:solidFill>
+                  <a:srgbClr val="800000"/>
+                </a:solidFill>
+                <a:latin typeface="+mn-lt"/>
+              </a:rPr>
+              <a:t>Постановка проблемы</a:t>
+            </a:r>
+            <a:endParaRPr lang="ru-RU" sz="4000" i="1" dirty="0">
+              <a:solidFill>
+                <a:srgbClr val="800000"/>
+              </a:solidFill>
+              <a:latin typeface="+mn-lt"/>
+            </a:endParaRPr>
+          </a:p>
+        </p:txBody>
+      </p:sp>
+      <p:sp>
+        <p:nvSpPr>
+          <p:cNvPr id="3" name="Содержимое 2"/>
+          <p:cNvSpPr>
+            <a:spLocks noGrp="1"/>
+          </p:cNvSpPr>
+          <p:nvPr>
+            <p:ph sz="quarter" idx="1"/>
+          </p:nvPr>
+        </p:nvSpPr>
+        <p:spPr>
+          <a:xfrm>
+            <a:off x="539552" y="1484784"/>
+            <a:ext cx="8153400" cy="4495800"/>
+          </a:xfrm>
+        </p:spPr>
+        <p:txBody>
+          <a:bodyPr>
+            <a:noAutofit/>
+          </a:bodyPr>
+          <a:lstStyle/>
+          <a:p>
+            <a:r>
+              <a:rPr lang="ru-RU" dirty="0" smtClean="0"/>
+              <a:t>На </a:t>
+            </a:r>
+            <a:r>
+              <a:rPr lang="ru-RU" dirty="0"/>
+              <a:t>данный момент </a:t>
+            </a:r>
+            <a:r>
+              <a:rPr lang="ru-RU" dirty="0" err="1" smtClean="0"/>
+              <a:t>биостатистики</a:t>
+            </a:r>
+            <a:r>
+              <a:rPr lang="ru-RU" dirty="0" smtClean="0"/>
+              <a:t> выполняют процедуры поиска ошибок во входных данных </a:t>
+            </a:r>
+            <a:r>
+              <a:rPr lang="ru-RU" dirty="0"/>
+              <a:t>в </a:t>
+            </a:r>
+            <a:r>
+              <a:rPr lang="ru-RU" b="1" i="1" dirty="0"/>
+              <a:t>ручном режиме</a:t>
+            </a:r>
+            <a:r>
+              <a:rPr lang="ru-RU" dirty="0" smtClean="0"/>
+              <a:t>.</a:t>
+            </a:r>
+          </a:p>
+          <a:p>
+            <a:endParaRPr lang="ru-RU" dirty="0" smtClean="0"/>
+          </a:p>
+          <a:p>
+            <a:r>
+              <a:rPr lang="ru-RU" dirty="0" smtClean="0"/>
+              <a:t>Поиск вручную является </a:t>
+            </a:r>
+            <a:r>
+              <a:rPr lang="ru-RU" dirty="0"/>
+              <a:t>неэффективным из-за </a:t>
+            </a:r>
+            <a:r>
+              <a:rPr lang="ru-RU" dirty="0" smtClean="0"/>
+              <a:t>человеческой невнимательности. </a:t>
+            </a:r>
+          </a:p>
+          <a:p>
+            <a:endParaRPr lang="ru-RU" dirty="0" smtClean="0"/>
+          </a:p>
+          <a:p>
+            <a:r>
+              <a:rPr lang="ru-RU" dirty="0" smtClean="0"/>
+              <a:t>При </a:t>
+            </a:r>
+            <a:r>
+              <a:rPr lang="ru-RU" dirty="0"/>
+              <a:t>таком подходе </a:t>
+            </a:r>
+            <a:r>
+              <a:rPr lang="ru-RU" dirty="0" smtClean="0"/>
+              <a:t>невозможно </a:t>
+            </a:r>
+            <a:r>
+              <a:rPr lang="ru-RU" dirty="0"/>
+              <a:t>обработать большой объем данных за разумное время.</a:t>
+            </a:r>
+          </a:p>
+          <a:p>
+            <a:endParaRPr lang="ru-RU" dirty="0"/>
+          </a:p>
+        </p:txBody>
+      </p:sp>
+    </p:spTree>
+  </p:cSld>
+  <p:clrMapOvr>
+    <a:masterClrMapping/>
+  </p:clrMapOvr>
+  <p:transition>
+    <p:fade/>
+  </p:transition>
+  <p:timing>
+    <p:tnLst>
+      <p:par>
+        <p:cTn id="1" dur="indefinite" restart="never" nodeType="tmRoot">
+          <p:childTnLst>
+            <p:seq concurrent="1" nextAc="seek">
+              <p:cTn id="2" dur="indefinite" nodeType="mainSeq">
+                <p:childTnLst>
+                  <p:par>
+                    <p:cTn id="3" fill="hold">
+                      <p:stCondLst>
+                        <p:cond delay="indefinite"/>
+                      </p:stCondLst>
+                      <p:childTnLst>
+                        <p:par>
+                          <p:cTn id="4" fill="hold">
+                            <p:stCondLst>
+                              <p:cond delay="0"/>
+                            </p:stCondLst>
+                            <p:childTnLst>
+                              <p:par>
+                                <p:cTn id="5" presetID="10" presetClass="entr" presetSubtype="0" fill="hold" nodeType="clickEffect">
+                                  <p:stCondLst>
+                                    <p:cond delay="0"/>
+                                  </p:stCondLst>
+                                  <p:childTnLst>
+                                    <p:set>
+                                      <p:cBhvr>
+                                        <p:cTn id="6" dur="1" fill="hold">
+                                          <p:stCondLst>
+                                            <p:cond delay="0"/>
+                                          </p:stCondLst>
+                                        </p:cTn>
+                                        <p:tgtEl>
+                                          <p:spTgt spid="3">
+                                            <p:txEl>
+                                              <p:pRg st="0" end="0"/>
+                                            </p:txEl>
+                                          </p:spTgt>
+                                        </p:tgtEl>
+                                        <p:attrNameLst>
+                                          <p:attrName>style.visibility</p:attrName>
+                                        </p:attrNameLst>
+                                      </p:cBhvr>
+                                      <p:to>
+                                        <p:strVal val="visible"/>
+                                      </p:to>
+                                    </p:set>
+                                    <p:animEffect transition="in" filter="fade">
+                                      <p:cBhvr>
+                                        <p:cTn id="7" dur="500"/>
+                                        <p:tgtEl>
+                                          <p:spTgt spid="3">
+                                            <p:txEl>
+                                              <p:pRg st="0" end="0"/>
+                                            </p:txEl>
+                                          </p:spTgt>
+                                        </p:tgtEl>
+                                      </p:cBhvr>
+                                    </p:animEffect>
+                                  </p:childTnLst>
+                                </p:cTn>
+                              </p:par>
+                            </p:childTnLst>
+                          </p:cTn>
+                        </p:par>
+                      </p:childTnLst>
+                    </p:cTn>
+                  </p:par>
+                  <p:par>
+                    <p:cTn id="8" fill="hold">
+                      <p:stCondLst>
+                        <p:cond delay="indefinite"/>
+                      </p:stCondLst>
+                      <p:childTnLst>
+                        <p:par>
+                          <p:cTn id="9" fill="hold">
+                            <p:stCondLst>
+                              <p:cond delay="0"/>
+                            </p:stCondLst>
+                            <p:childTnLst>
+                              <p:par>
+                                <p:cTn id="10" presetID="10" presetClass="entr" presetSubtype="0" fill="hold" nodeType="clickEffect">
+                                  <p:stCondLst>
+                                    <p:cond delay="0"/>
+                                  </p:stCondLst>
+                                  <p:childTnLst>
+                                    <p:set>
+                                      <p:cBhvr>
+                                        <p:cTn id="11" dur="1" fill="hold">
+                                          <p:stCondLst>
+                                            <p:cond delay="0"/>
+                                          </p:stCondLst>
+                                        </p:cTn>
+                                        <p:tgtEl>
+                                          <p:spTgt spid="3">
+                                            <p:txEl>
+                                              <p:pRg st="2" end="2"/>
+                                            </p:txEl>
+                                          </p:spTgt>
+                                        </p:tgtEl>
+                                        <p:attrNameLst>
+                                          <p:attrName>style.visibility</p:attrName>
+                                        </p:attrNameLst>
+                                      </p:cBhvr>
+                                      <p:to>
+                                        <p:strVal val="visible"/>
+                                      </p:to>
+                                    </p:set>
+                                    <p:animEffect transition="in" filter="fade">
+                                      <p:cBhvr>
+                                        <p:cTn id="12" dur="500"/>
+                                        <p:tgtEl>
+                                          <p:spTgt spid="3">
+                                            <p:txEl>
+                                              <p:pRg st="2" end="2"/>
+                                            </p:txEl>
+                                          </p:spTgt>
+                                        </p:tgtEl>
+                                      </p:cBhvr>
+                                    </p:animEffect>
+                                  </p:childTnLst>
+                                </p:cTn>
+                              </p:par>
+                            </p:childTnLst>
+                          </p:cTn>
+                        </p:par>
+                      </p:childTnLst>
+                    </p:cTn>
+                  </p:par>
+                  <p:par>
+                    <p:cTn id="13" fill="hold">
+                      <p:stCondLst>
+                        <p:cond delay="indefinite"/>
+                      </p:stCondLst>
+                      <p:childTnLst>
+                        <p:par>
+                          <p:cTn id="14" fill="hold">
+                            <p:stCondLst>
+                              <p:cond delay="0"/>
+                            </p:stCondLst>
+                            <p:childTnLst>
+                              <p:par>
+                                <p:cTn id="15" presetID="10" presetClass="entr" presetSubtype="0" fill="hold" nodeType="clickEffect">
+                                  <p:stCondLst>
+                                    <p:cond delay="0"/>
+                                  </p:stCondLst>
+                                  <p:childTnLst>
+                                    <p:set>
+                                      <p:cBhvr>
+                                        <p:cTn id="16" dur="1" fill="hold">
+                                          <p:stCondLst>
+                                            <p:cond delay="0"/>
+                                          </p:stCondLst>
+                                        </p:cTn>
+                                        <p:tgtEl>
+                                          <p:spTgt spid="3">
+                                            <p:txEl>
+                                              <p:pRg st="4" end="4"/>
+                                            </p:txEl>
+                                          </p:spTgt>
+                                        </p:tgtEl>
+                                        <p:attrNameLst>
+                                          <p:attrName>style.visibility</p:attrName>
+                                        </p:attrNameLst>
+                                      </p:cBhvr>
+                                      <p:to>
+                                        <p:strVal val="visible"/>
+                                      </p:to>
+                                    </p:set>
+                                    <p:animEffect transition="in" filter="fade">
+                                      <p:cBhvr>
+                                        <p:cTn id="17" dur="500"/>
+                                        <p:tgtEl>
+                                          <p:spTgt spid="3">
+                                            <p:txEl>
+                                              <p:pRg st="4" end="4"/>
+                                            </p:txEl>
+                                          </p:spTgt>
+                                        </p:tgtEl>
+                                      </p:cBhvr>
+                                    </p:animEffect>
+                                  </p:childTnLst>
+                                </p:cTn>
+                              </p:par>
+                            </p:childTnLst>
+                          </p:cTn>
+                        </p:par>
+                      </p:childTnLst>
+                    </p:cTn>
+                  </p:par>
+                </p:childTnLst>
+              </p:cTn>
+              <p:prevCondLst>
+                <p:cond evt="onPrev" delay="0">
+                  <p:tgtEl>
+                    <p:sldTgt/>
+                  </p:tgtEl>
+                </p:cond>
+              </p:prevCondLst>
+              <p:nextCondLst>
+                <p:cond evt="onNext" delay="0">
+                  <p:tgtEl>
+                    <p:sldTgt/>
+                  </p:tgtEl>
+                </p:cond>
+              </p:nextCondLst>
+            </p:seq>
+          </p:childTnLst>
+        </p:cTn>
+      </p:par>
+    </p:tnLst>
   </p:timing>
 </p:sld>
 </file>
@@ -12932,16 +11959,9 @@
           <a:bodyPr/>
           <a:lstStyle/>
           <a:p>
-            <a:pPr marL="0" indent="0">
-              <a:buNone/>
-            </a:pPr>
-            <a:r>
-              <a:rPr lang="ru-RU" dirty="0" smtClean="0"/>
-              <a:t>Поставленные </a:t>
-            </a:r>
             <a:r>
               <a:rPr lang="ru-RU" dirty="0"/>
-              <a:t>задачи были реализованы с использованием объектно-ориентированной модели (ООП) модели </a:t>
+              <a:t>Поставленные задачи были реализованы с использованием объектно-ориентированной (ООП) модели </a:t>
             </a:r>
             <a:r>
               <a:rPr lang="en-US" dirty="0"/>
@@ -12957,31 +11977,21 @@
             </a:r>
             <a:r>
               <a:rPr lang="ru-RU" dirty="0"/>
-              <a:t>. Созданная логическая структура модели имеет три составляющих</a:t>
-            </a:r>
-            <a:r>
-              <a:rPr lang="ru-RU" dirty="0" smtClean="0"/>
-              <a:t>:</a:t>
-            </a:r>
-          </a:p>
-          <a:p>
-            <a:pPr marL="0" indent="0">
-              <a:buNone/>
-            </a:pPr>
-            <a:endParaRPr lang="ru-RU" dirty="0"/>
+              <a:t>. Для решения поставленных задач были разработаны три независимых структуры классов:</a:t>
+            </a:r>
           </a:p>
           <a:p>
             <a:pPr lvl="0"/>
             <a:r>
               <a:rPr lang="ru-RU" dirty="0"/>
-              <a:t>Файлы</a:t>
+              <a:t>Файлы.</a:t>
             </a:r>
           </a:p>
           <a:p>
             <a:pPr lvl="0"/>
             <a:r>
               <a:rPr lang="ru-RU" dirty="0"/>
-              <a:t>Колонки таблицы</a:t>
+              <a:t>Столбцы таблицы.</a:t>
             </a:r>
           </a:p>
           <a:p>
@@ -12990,8 +12000,10 @@
               <a:rPr lang="ru-RU" dirty="0"/>
               <a:t>Типы ошибок</a:t>
             </a:r>
-          </a:p>
-          <a:p>
+            <a:r>
+              <a:rPr lang="ru-RU" dirty="0" smtClean="0"/>
+              <a:t>.</a:t>
+            </a:r>
             <a:endParaRPr lang="ru-RU" dirty="0"/>
           </a:p>
         </p:txBody>
@@ -13091,7 +12103,7 @@
                             </p:stCondLst>
                             <p:childTnLst>
                               <p:par>
-                                <p:cTn id="10" presetID="2" presetClass="entr" presetSubtype="8" fill="hold" nodeType="clickEffect">
+                                <p:cTn id="10" presetID="10" presetClass="entr" presetSubtype="0" fill="hold" nodeType="clickEffect">
                                   <p:stCondLst>
                                     <p:cond delay="0"/>
                                   </p:stCondLst>
@@ -13099,6 +12111,67 @@
                                     <p:set>
                                       <p:cBhvr>
                                         <p:cTn id="11" dur="1" fill="hold">
+                                          <p:stCondLst>
+                                            <p:cond delay="0"/>
+                                          </p:stCondLst>
+                                        </p:cTn>
+                                        <p:tgtEl>
+                                          <p:spTgt spid="3">
+                                            <p:txEl>
+                                              <p:pRg st="1" end="1"/>
+                                            </p:txEl>
+                                          </p:spTgt>
+                                        </p:tgtEl>
+                                        <p:attrNameLst>
+                                          <p:attrName>style.visibility</p:attrName>
+                                        </p:attrNameLst>
+                                      </p:cBhvr>
+                                      <p:to>
+                                        <p:strVal val="visible"/>
+                                      </p:to>
+                                    </p:set>
+                                    <p:animEffect transition="in" filter="fade">
+                                      <p:cBhvr>
+                                        <p:cTn id="12" dur="500"/>
+                                        <p:tgtEl>
+                                          <p:spTgt spid="3">
+                                            <p:txEl>
+                                              <p:pRg st="1" end="1"/>
+                                            </p:txEl>
+                                          </p:spTgt>
+                                        </p:tgtEl>
+                                      </p:cBhvr>
+                                    </p:animEffect>
+                                  </p:childTnLst>
+                                </p:cTn>
+                              </p:par>
+                            </p:childTnLst>
+                          </p:cTn>
+                        </p:par>
+                      </p:childTnLst>
+                    </p:cTn>
+                  </p:par>
+                  <p:par>
+                    <p:cTn id="13" fill="hold">
+                      <p:stCondLst>
+                        <p:cond delay="indefinite"/>
+                      </p:stCondLst>
+                      <p:childTnLst>
+                        <p:par>
+                          <p:cTn id="14" fill="hold">
+                            <p:stCondLst>
+                              <p:cond delay="0"/>
+                            </p:stCondLst>
+                            <p:childTnLst>
+                              <p:par>
+                                <p:cTn id="15" presetID="10" presetClass="entr" presetSubtype="0" fill="hold" nodeType="clickEffect">
+                                  <p:stCondLst>
+                                    <p:cond delay="0"/>
+                                  </p:stCondLst>
+                                  <p:childTnLst>
+                                    <p:set>
+                                      <p:cBhvr>
+                                        <p:cTn id="16" dur="1" fill="hold">
                                           <p:stCondLst>
                                             <p:cond delay="0"/>
                                           </p:stCondLst>
@@ -13118,9 +12191,9 @@
                                         <p:strVal val="visible"/>
                                       </p:to>
                                     </p:set>
-                                    <p:anim calcmode="lin" valueType="num">
-                                      <p:cBhvr additive="base">
-                                        <p:cTn id="12" dur="500" fill="hold"/>
+                                    <p:animEffect transition="in" filter="fade">
+                                      <p:cBhvr>
+                                        <p:cTn id="17" dur="500"/>
                                         <p:tgtEl>
                                           <p:spTgt spid="3">
                                             <p:txEl>
@@ -13128,50 +12201,8 @@
                                             </p:txEl>
                                           </p:spTgt>
                                         </p:tgtEl>
-                                        <p:attrNameLst>
-                                          <p:attrName>ppt_x</p:attrName>
-                                        </p:attrNameLst>
                                       </p:cBhvr>
-                                      <p:tavLst>
-                                        <p:tav tm="0">
-                                          <p:val>
-                                            <p:strVal val="0-#ppt_w/2"/>
-                                          </p:val>
-                                        </p:tav>
-                                        <p:tav tm="100000">
-                                          <p:val>
-                                            <p:strVal val="#ppt_x"/>
-                                          </p:val>
-                                        </p:tav>
-                                      </p:tavLst>
-                                    </p:anim>
-                                    <p:anim calcmode="lin" valueType="num">
-                                      <p:cBhvr additive="base">
-                                        <p:cTn id="13" dur="500" fill="hold"/>
-                                        <p:tgtEl>
-                                          <p:spTgt spid="3">
-                                            <p:txEl>
-                                              <p:pRg st="2" end="2"/>
-                                            </p:txEl>
-                                          </p:spTgt>
-                                        </p:tgtEl>
-                                        <p:attrNameLst>
-                                          <p:attrName>ppt_y</p:attrName>
-                                        </p:attrNameLst>
-                                      </p:cBhvr>
-                                      <p:tavLst>
-                                        <p:tav tm="0">
-                                          <p:val>
-                                            <p:strVal val="#ppt_y"/>
-                                          </p:val>
-                                        </p:tav>
-                                        <p:tav tm="100000">
-                                          <p:val>
-                                            <p:strVal val="#ppt_y"/>
-                                          </p:val>
-                                        </p:tav>
-                                      </p:tavLst>
-                                    </p:anim>
+                                    </p:animEffect>
                                   </p:childTnLst>
                                 </p:cTn>
                               </p:par>
@@ -13182,26 +12213,26 @@
                     </p:cTn>
                   </p:par>
                   <p:par>
-                    <p:cTn id="14" fill="hold">
+                    <p:cTn id="18" fill="hold">
                       <p:stCondLst>
                         <p:cond delay="indefinite"/>
                       </p:stCondLst>
                       <p:childTnLst>
                         <p:par>
-                          <p:cTn id="15" fill="hold">
+                          <p:cTn id="19" fill="hold">
                             <p:stCondLst>
                               <p:cond delay="0"/>
                             </p:stCondLst>
                             <p:childTnLst>
                               <p:par>
-                                <p:cTn id="16" presetID="2" presetClass="entr" presetSubtype="8" fill="hold" nodeType="clickEffect">
+                                <p:cTn id="20" presetID="10" presetClass="entr" presetSubtype="0" fill="hold" nodeType="clickEffect">
                                   <p:stCondLst>
                                     <p:cond delay="0"/>
                                   </p:stCondLst>
                                   <p:childTnLst>
                                     <p:set>
                                       <p:cBhvr>
-                                        <p:cTn id="17" dur="1" fill="hold">
+                                        <p:cTn id="21" dur="1" fill="hold">
                                           <p:stCondLst>
                                             <p:cond delay="0"/>
                                           </p:stCondLst>
@@ -13221,9 +12252,9 @@
                                         <p:strVal val="visible"/>
                                       </p:to>
                                     </p:set>
-                                    <p:anim calcmode="lin" valueType="num">
-                                      <p:cBhvr additive="base">
-                                        <p:cTn id="18" dur="500" fill="hold"/>
+                                    <p:animEffect transition="in" filter="fade">
+                                      <p:cBhvr>
+                                        <p:cTn id="22" dur="500"/>
                                         <p:tgtEl>
                                           <p:spTgt spid="3">
                                             <p:txEl>
@@ -13231,153 +12262,8 @@
                                             </p:txEl>
                                           </p:spTgt>
                                         </p:tgtEl>
-                                        <p:attrNameLst>
-                                          <p:attrName>ppt_x</p:attrName>
-                                        </p:attrNameLst>
                                       </p:cBhvr>
-                                      <p:tavLst>
-                                        <p:tav tm="0">
-                                          <p:val>
-                                            <p:strVal val="0-#ppt_w/2"/>
-                                          </p:val>
-                                        </p:tav>
-                                        <p:tav tm="100000">
-                                          <p:val>
-                                            <p:strVal val="#ppt_x"/>
-                                          </p:val>
-                                        </p:tav>
-                                      </p:tavLst>
-                                    </p:anim>
-                                    <p:anim calcmode="lin" valueType="num">
-                                      <p:cBhvr additive="base">
-                                        <p:cTn id="19" dur="500" fill="hold"/>
-                                        <p:tgtEl>
-                                          <p:spTgt spid="3">
-                                            <p:txEl>
-                                              <p:pRg st="3" end="3"/>
-                                            </p:txEl>
-                                          </p:spTgt>
-                                        </p:tgtEl>
-                                        <p:attrNameLst>
-                                          <p:attrName>ppt_y</p:attrName>
-                                        </p:attrNameLst>
-                                      </p:cBhvr>
-                                      <p:tavLst>
-                                        <p:tav tm="0">
-                                          <p:val>
-                                            <p:strVal val="#ppt_y"/>
-                                          </p:val>
-                                        </p:tav>
-                                        <p:tav tm="100000">
-                                          <p:val>
-                                            <p:strVal val="#ppt_y"/>
-                                          </p:val>
-                                        </p:tav>
-                                      </p:tavLst>
-                                    </p:anim>
-                                  </p:childTnLst>
-                                </p:cTn>
-                              </p:par>
-                            </p:childTnLst>
-                          </p:cTn>
-                        </p:par>
-                      </p:childTnLst>
-                    </p:cTn>
-                  </p:par>
-                  <p:par>
-                    <p:cTn id="20" fill="hold">
-                      <p:stCondLst>
-                        <p:cond delay="indefinite"/>
-                      </p:stCondLst>
-                      <p:childTnLst>
-                        <p:par>
-                          <p:cTn id="21" fill="hold">
-                            <p:stCondLst>
-                              <p:cond delay="0"/>
-                            </p:stCondLst>
-                            <p:childTnLst>
-                              <p:par>
-                                <p:cTn id="22" presetID="2" presetClass="entr" presetSubtype="8" fill="hold" nodeType="clickEffect">
-                                  <p:stCondLst>
-                                    <p:cond delay="0"/>
-                                  </p:stCondLst>
-                                  <p:childTnLst>
-                                    <p:set>
-                                      <p:cBhvr>
-                                        <p:cTn id="23" dur="1" fill="hold">
-                                          <p:stCondLst>
-                                            <p:cond delay="0"/>
-                                          </p:stCondLst>
-                                        </p:cTn>
-                                        <p:tgtEl>
-                                          <p:spTgt spid="3">
-                                            <p:txEl>
-                                              <p:pRg st="4" end="4"/>
-                                            </p:txEl>
-                                          </p:spTgt>
-                                        </p:tgtEl>
-                                        <p:attrNameLst>
-                                          <p:attrName>style.visibility</p:attrName>
-                                        </p:attrNameLst>
-                                      </p:cBhvr>
-                                      <p:to>
-                                        <p:strVal val="visible"/>
-                                      </p:to>
-                                    </p:set>
-                                    <p:anim calcmode="lin" valueType="num">
-                                      <p:cBhvr additive="base">
-                                        <p:cTn id="24" dur="500" fill="hold"/>
-                                        <p:tgtEl>
-                                          <p:spTgt spid="3">
-                                            <p:txEl>
-                                              <p:pRg st="4" end="4"/>
-                                            </p:txEl>
-                                          </p:spTgt>
-                                        </p:tgtEl>
-                                        <p:attrNameLst>
-                                          <p:attrName>ppt_x</p:attrName>
-                                        </p:attrNameLst>
-                                      </p:cBhvr>
-                                      <p:tavLst>
-                                        <p:tav tm="0">
-                                          <p:val>
-                                            <p:strVal val="0-#ppt_w/2"/>
-                                          </p:val>
-                                        </p:tav>
-                                        <p:tav tm="100000">
-                                          <p:val>
-                                            <p:strVal val="#ppt_x"/>
-                                          </p:val>
-                                        </p:tav>
-                                      </p:tavLst>
-                                    </p:anim>
-                                    <p:anim calcmode="lin" valueType="num">
-                                      <p:cBhvr additive="base">
-                                        <p:cTn id="25" dur="500" fill="hold"/>
-                                        <p:tgtEl>
-                                          <p:spTgt spid="3">
-                                            <p:txEl>
-                                              <p:pRg st="4" end="4"/>
-                                            </p:txEl>
-                                          </p:spTgt>
-                                        </p:tgtEl>
-                                        <p:attrNameLst>
-                                          <p:attrName>ppt_y</p:attrName>
-                                        </p:attrNameLst>
-                                      </p:cBhvr>
-                                      <p:tavLst>
-                                        <p:tav tm="0">
-                                          <p:val>
-                                            <p:strVal val="#ppt_y"/>
-                                          </p:val>
-                                        </p:tav>
-                                        <p:tav tm="100000">
-                                          <p:val>
-                                            <p:strVal val="#ppt_y"/>
-                                          </p:val>
-                                        </p:tav>
-                                      </p:tavLst>
-                                    </p:anim>
+                                    </p:animEffect>
                                   </p:childTnLst>
                                 </p:cTn>
                               </p:par>
@@ -13448,14 +12334,20 @@
           <a:p>
             <a:pPr algn="ctr"/>
             <a:r>
-              <a:rPr lang="ru-RU" sz="4000" i="1" dirty="0">
+              <a:rPr lang="ru-RU" sz="4000" i="1" dirty="0" smtClean="0">
                 <a:solidFill>
                   <a:srgbClr val="800000"/>
                 </a:solidFill>
                 <a:latin typeface="+mn-lt"/>
               </a:rPr>
-              <a:t>Логическая структура файлов</a:t>
-            </a:r>
+              <a:t>Структура классов «Файлы»</a:t>
+            </a:r>
+            <a:endParaRPr lang="ru-RU" sz="4000" i="1" dirty="0">
+              <a:solidFill>
+                <a:srgbClr val="800000"/>
+              </a:solidFill>
+              <a:latin typeface="+mn-lt"/>
+            </a:endParaRPr>
           </a:p>
         </p:txBody>
       </p:sp>
@@ -13544,7 +12436,7 @@
           <a:graphicData uri="http://schemas.openxmlformats.org/presentationml/2006/ole">
             <mc:AlternateContent xmlns:mc="http://schemas.openxmlformats.org/markup-compatibility/2006">
               <mc:Choice xmlns:v="urn:schemas-microsoft-com:vml" Requires="v">
-                <p:oleObj spid="_x0000_s1030" name="Visio" r:id="rId3" imgW="7400858" imgH="5962637" progId="Visio.Drawing.15">
+                <p:oleObj spid="_x0000_s1032" name="Visio" r:id="rId3" imgW="7400858" imgH="5962637" progId="Visio.Drawing.15">
                   <p:embed/>
                 </p:oleObj>
               </mc:Choice>
